--- a/paper/amr_schematics.pptx
+++ b/paper/amr_schematics.pptx
@@ -6,7 +6,9 @@
   </p:sldMasterIdLst>
   <p:sldIdLst>
     <p:sldId id="256" r:id="rId2"/>
-    <p:sldId id="257" r:id="rId3"/>
+    <p:sldId id="258" r:id="rId3"/>
+    <p:sldId id="259" r:id="rId4"/>
+    <p:sldId id="257" r:id="rId5"/>
   </p:sldIdLst>
   <p:sldSz cx="9144000" cy="6858000" type="screen4x3"/>
   <p:notesSz cx="6858000" cy="9144000"/>
@@ -290,7 +292,7 @@
             <a:fld id="{1D8BD707-D9CF-40AE-B4C6-C98DA3205C09}" type="datetimeFigureOut">
               <a:rPr lang="en-US" smtClean="0"/>
               <a:pPr/>
-              <a:t>4/5/2013</a:t>
+              <a:t>7/31/2013</a:t>
             </a:fld>
             <a:endParaRPr lang="en-US"/>
           </a:p>
@@ -457,7 +459,7 @@
             <a:fld id="{1D8BD707-D9CF-40AE-B4C6-C98DA3205C09}" type="datetimeFigureOut">
               <a:rPr lang="en-US" smtClean="0"/>
               <a:pPr/>
-              <a:t>4/5/2013</a:t>
+              <a:t>7/31/2013</a:t>
             </a:fld>
             <a:endParaRPr lang="en-US"/>
           </a:p>
@@ -634,7 +636,7 @@
             <a:fld id="{1D8BD707-D9CF-40AE-B4C6-C98DA3205C09}" type="datetimeFigureOut">
               <a:rPr lang="en-US" smtClean="0"/>
               <a:pPr/>
-              <a:t>4/5/2013</a:t>
+              <a:t>7/31/2013</a:t>
             </a:fld>
             <a:endParaRPr lang="en-US"/>
           </a:p>
@@ -801,7 +803,7 @@
             <a:fld id="{1D8BD707-D9CF-40AE-B4C6-C98DA3205C09}" type="datetimeFigureOut">
               <a:rPr lang="en-US" smtClean="0"/>
               <a:pPr/>
-              <a:t>4/5/2013</a:t>
+              <a:t>7/31/2013</a:t>
             </a:fld>
             <a:endParaRPr lang="en-US"/>
           </a:p>
@@ -1044,7 +1046,7 @@
             <a:fld id="{1D8BD707-D9CF-40AE-B4C6-C98DA3205C09}" type="datetimeFigureOut">
               <a:rPr lang="en-US" smtClean="0"/>
               <a:pPr/>
-              <a:t>4/5/2013</a:t>
+              <a:t>7/31/2013</a:t>
             </a:fld>
             <a:endParaRPr lang="en-US"/>
           </a:p>
@@ -1329,7 +1331,7 @@
             <a:fld id="{1D8BD707-D9CF-40AE-B4C6-C98DA3205C09}" type="datetimeFigureOut">
               <a:rPr lang="en-US" smtClean="0"/>
               <a:pPr/>
-              <a:t>4/5/2013</a:t>
+              <a:t>7/31/2013</a:t>
             </a:fld>
             <a:endParaRPr lang="en-US"/>
           </a:p>
@@ -1748,7 +1750,7 @@
             <a:fld id="{1D8BD707-D9CF-40AE-B4C6-C98DA3205C09}" type="datetimeFigureOut">
               <a:rPr lang="en-US" smtClean="0"/>
               <a:pPr/>
-              <a:t>4/5/2013</a:t>
+              <a:t>7/31/2013</a:t>
             </a:fld>
             <a:endParaRPr lang="en-US"/>
           </a:p>
@@ -1863,7 +1865,7 @@
             <a:fld id="{1D8BD707-D9CF-40AE-B4C6-C98DA3205C09}" type="datetimeFigureOut">
               <a:rPr lang="en-US" smtClean="0"/>
               <a:pPr/>
-              <a:t>4/5/2013</a:t>
+              <a:t>7/31/2013</a:t>
             </a:fld>
             <a:endParaRPr lang="en-US"/>
           </a:p>
@@ -1955,7 +1957,7 @@
             <a:fld id="{1D8BD707-D9CF-40AE-B4C6-C98DA3205C09}" type="datetimeFigureOut">
               <a:rPr lang="en-US" smtClean="0"/>
               <a:pPr/>
-              <a:t>4/5/2013</a:t>
+              <a:t>7/31/2013</a:t>
             </a:fld>
             <a:endParaRPr lang="en-US"/>
           </a:p>
@@ -2229,7 +2231,7 @@
             <a:fld id="{1D8BD707-D9CF-40AE-B4C6-C98DA3205C09}" type="datetimeFigureOut">
               <a:rPr lang="en-US" smtClean="0"/>
               <a:pPr/>
-              <a:t>4/5/2013</a:t>
+              <a:t>7/31/2013</a:t>
             </a:fld>
             <a:endParaRPr lang="en-US"/>
           </a:p>
@@ -2479,7 +2481,7 @@
             <a:fld id="{1D8BD707-D9CF-40AE-B4C6-C98DA3205C09}" type="datetimeFigureOut">
               <a:rPr lang="en-US" smtClean="0"/>
               <a:pPr/>
-              <a:t>4/5/2013</a:t>
+              <a:t>7/31/2013</a:t>
             </a:fld>
             <a:endParaRPr lang="en-US"/>
           </a:p>
@@ -2689,7 +2691,7 @@
             <a:fld id="{1D8BD707-D9CF-40AE-B4C6-C98DA3205C09}" type="datetimeFigureOut">
               <a:rPr lang="en-US" smtClean="0"/>
               <a:pPr/>
-              <a:t>4/5/2013</a:t>
+              <a:t>7/31/2013</a:t>
             </a:fld>
             <a:endParaRPr lang="en-US"/>
           </a:p>
@@ -4527,6 +4529,4439 @@
           <a:chExt cx="0" cy="0"/>
         </a:xfrm>
       </p:grpSpPr>
+      <p:sp>
+        <p:nvSpPr>
+          <p:cNvPr id="4" name="Freeform 3"/>
+          <p:cNvSpPr/>
+          <p:nvPr/>
+        </p:nvSpPr>
+        <p:spPr>
+          <a:xfrm>
+            <a:off x="1345019" y="2062716"/>
+            <a:ext cx="2668772" cy="1281224"/>
+          </a:xfrm>
+          <a:custGeom>
+            <a:avLst/>
+            <a:gdLst>
+              <a:gd name="connsiteX0" fmla="*/ 0 w 2668772"/>
+              <a:gd name="connsiteY0" fmla="*/ 765544 h 1281224"/>
+              <a:gd name="connsiteX1" fmla="*/ 824023 w 2668772"/>
+              <a:gd name="connsiteY1" fmla="*/ 0 h 1281224"/>
+              <a:gd name="connsiteX2" fmla="*/ 2222204 w 2668772"/>
+              <a:gd name="connsiteY2" fmla="*/ 42531 h 1281224"/>
+              <a:gd name="connsiteX3" fmla="*/ 2668772 w 2668772"/>
+              <a:gd name="connsiteY3" fmla="*/ 712382 h 1281224"/>
+              <a:gd name="connsiteX4" fmla="*/ 1616148 w 2668772"/>
+              <a:gd name="connsiteY4" fmla="*/ 1281224 h 1281224"/>
+              <a:gd name="connsiteX5" fmla="*/ 824023 w 2668772"/>
+              <a:gd name="connsiteY5" fmla="*/ 15949 h 1281224"/>
+            </a:gdLst>
+            <a:ahLst/>
+            <a:cxnLst>
+              <a:cxn ang="0">
+                <a:pos x="connsiteX0" y="connsiteY0"/>
+              </a:cxn>
+              <a:cxn ang="0">
+                <a:pos x="connsiteX1" y="connsiteY1"/>
+              </a:cxn>
+              <a:cxn ang="0">
+                <a:pos x="connsiteX2" y="connsiteY2"/>
+              </a:cxn>
+              <a:cxn ang="0">
+                <a:pos x="connsiteX3" y="connsiteY3"/>
+              </a:cxn>
+              <a:cxn ang="0">
+                <a:pos x="connsiteX4" y="connsiteY4"/>
+              </a:cxn>
+              <a:cxn ang="0">
+                <a:pos x="connsiteX5" y="connsiteY5"/>
+              </a:cxn>
+            </a:cxnLst>
+            <a:rect l="l" t="t" r="r" b="b"/>
+            <a:pathLst>
+              <a:path w="2668772" h="1281224">
+                <a:moveTo>
+                  <a:pt x="0" y="765544"/>
+                </a:moveTo>
+                <a:lnTo>
+                  <a:pt x="824023" y="0"/>
+                </a:lnTo>
+                <a:lnTo>
+                  <a:pt x="2222204" y="42531"/>
+                </a:lnTo>
+                <a:lnTo>
+                  <a:pt x="2668772" y="712382"/>
+                </a:lnTo>
+                <a:lnTo>
+                  <a:pt x="1616148" y="1281224"/>
+                </a:lnTo>
+                <a:lnTo>
+                  <a:pt x="824023" y="15949"/>
+                </a:lnTo>
+              </a:path>
+            </a:pathLst>
+          </a:custGeom>
+          <a:noFill/>
+        </p:spPr>
+        <p:style>
+          <a:lnRef idx="2">
+            <a:schemeClr val="accent1">
+              <a:shade val="50000"/>
+            </a:schemeClr>
+          </a:lnRef>
+          <a:fillRef idx="1">
+            <a:schemeClr val="accent1"/>
+          </a:fillRef>
+          <a:effectRef idx="0">
+            <a:schemeClr val="accent1"/>
+          </a:effectRef>
+          <a:fontRef idx="minor">
+            <a:schemeClr val="lt1"/>
+          </a:fontRef>
+        </p:style>
+        <p:txBody>
+          <a:bodyPr rtlCol="0" anchor="ctr"/>
+          <a:lstStyle/>
+          <a:p>
+            <a:pPr algn="ctr"/>
+            <a:endParaRPr lang="en-US"/>
+          </a:p>
+        </p:txBody>
+      </p:sp>
+      <p:sp>
+        <p:nvSpPr>
+          <p:cNvPr id="5" name="Freeform 4"/>
+          <p:cNvSpPr/>
+          <p:nvPr/>
+        </p:nvSpPr>
+        <p:spPr>
+          <a:xfrm>
+            <a:off x="1360967" y="2828260"/>
+            <a:ext cx="1600200" cy="808075"/>
+          </a:xfrm>
+          <a:custGeom>
+            <a:avLst/>
+            <a:gdLst>
+              <a:gd name="connsiteX0" fmla="*/ 0 w 1600200"/>
+              <a:gd name="connsiteY0" fmla="*/ 0 h 808075"/>
+              <a:gd name="connsiteX1" fmla="*/ 489098 w 1600200"/>
+              <a:gd name="connsiteY1" fmla="*/ 808075 h 808075"/>
+              <a:gd name="connsiteX2" fmla="*/ 1600200 w 1600200"/>
+              <a:gd name="connsiteY2" fmla="*/ 520996 h 808075"/>
+              <a:gd name="connsiteX3" fmla="*/ 1600200 w 1600200"/>
+              <a:gd name="connsiteY3" fmla="*/ 520996 h 808075"/>
+            </a:gdLst>
+            <a:ahLst/>
+            <a:cxnLst>
+              <a:cxn ang="0">
+                <a:pos x="connsiteX0" y="connsiteY0"/>
+              </a:cxn>
+              <a:cxn ang="0">
+                <a:pos x="connsiteX1" y="connsiteY1"/>
+              </a:cxn>
+              <a:cxn ang="0">
+                <a:pos x="connsiteX2" y="connsiteY2"/>
+              </a:cxn>
+              <a:cxn ang="0">
+                <a:pos x="connsiteX3" y="connsiteY3"/>
+              </a:cxn>
+            </a:cxnLst>
+            <a:rect l="l" t="t" r="r" b="b"/>
+            <a:pathLst>
+              <a:path w="1600200" h="808075">
+                <a:moveTo>
+                  <a:pt x="0" y="0"/>
+                </a:moveTo>
+                <a:lnTo>
+                  <a:pt x="489098" y="808075"/>
+                </a:lnTo>
+                <a:lnTo>
+                  <a:pt x="1600200" y="520996"/>
+                </a:lnTo>
+                <a:lnTo>
+                  <a:pt x="1600200" y="520996"/>
+                </a:lnTo>
+              </a:path>
+            </a:pathLst>
+          </a:custGeom>
+          <a:noFill/>
+        </p:spPr>
+        <p:style>
+          <a:lnRef idx="2">
+            <a:schemeClr val="accent1">
+              <a:shade val="50000"/>
+            </a:schemeClr>
+          </a:lnRef>
+          <a:fillRef idx="1">
+            <a:schemeClr val="accent1"/>
+          </a:fillRef>
+          <a:effectRef idx="0">
+            <a:schemeClr val="accent1"/>
+          </a:effectRef>
+          <a:fontRef idx="minor">
+            <a:schemeClr val="lt1"/>
+          </a:fontRef>
+        </p:style>
+        <p:txBody>
+          <a:bodyPr rtlCol="0" anchor="ctr"/>
+          <a:lstStyle/>
+          <a:p>
+            <a:pPr algn="ctr"/>
+            <a:endParaRPr lang="en-US"/>
+          </a:p>
+        </p:txBody>
+      </p:sp>
+      <p:sp>
+        <p:nvSpPr>
+          <p:cNvPr id="16" name="Oval 15"/>
+          <p:cNvSpPr/>
+          <p:nvPr/>
+        </p:nvSpPr>
+        <p:spPr>
+          <a:xfrm>
+            <a:off x="2078200" y="2154939"/>
+            <a:ext cx="137160" cy="137160"/>
+          </a:xfrm>
+          <a:prstGeom prst="ellipse">
+            <a:avLst/>
+          </a:prstGeom>
+          <a:solidFill>
+            <a:srgbClr val="FF0000"/>
+          </a:solidFill>
+          <a:ln w="9525">
+            <a:solidFill>
+              <a:srgbClr val="0070C0"/>
+            </a:solidFill>
+          </a:ln>
+        </p:spPr>
+        <p:style>
+          <a:lnRef idx="2">
+            <a:schemeClr val="accent1">
+              <a:shade val="50000"/>
+            </a:schemeClr>
+          </a:lnRef>
+          <a:fillRef idx="1">
+            <a:schemeClr val="accent1"/>
+          </a:fillRef>
+          <a:effectRef idx="0">
+            <a:schemeClr val="accent1"/>
+          </a:effectRef>
+          <a:fontRef idx="minor">
+            <a:schemeClr val="lt1"/>
+          </a:fontRef>
+        </p:style>
+        <p:txBody>
+          <a:bodyPr rtlCol="0" anchor="ctr"/>
+          <a:lstStyle/>
+          <a:p>
+            <a:pPr algn="ctr"/>
+            <a:endParaRPr lang="en-US">
+              <a:ln>
+                <a:solidFill>
+                  <a:srgbClr val="FF0000"/>
+                </a:solidFill>
+              </a:ln>
+              <a:solidFill>
+                <a:srgbClr val="FF0000"/>
+              </a:solidFill>
+            </a:endParaRPr>
+          </a:p>
+        </p:txBody>
+      </p:sp>
+      <p:sp>
+        <p:nvSpPr>
+          <p:cNvPr id="17" name="Oval 16"/>
+          <p:cNvSpPr/>
+          <p:nvPr/>
+        </p:nvSpPr>
+        <p:spPr>
+          <a:xfrm>
+            <a:off x="3443287" y="2139203"/>
+            <a:ext cx="137160" cy="137160"/>
+          </a:xfrm>
+          <a:prstGeom prst="ellipse">
+            <a:avLst/>
+          </a:prstGeom>
+          <a:solidFill>
+            <a:srgbClr val="FF0000"/>
+          </a:solidFill>
+          <a:ln w="9525">
+            <a:solidFill>
+              <a:srgbClr val="0070C0"/>
+            </a:solidFill>
+          </a:ln>
+        </p:spPr>
+        <p:style>
+          <a:lnRef idx="2">
+            <a:schemeClr val="accent1">
+              <a:shade val="50000"/>
+            </a:schemeClr>
+          </a:lnRef>
+          <a:fillRef idx="1">
+            <a:schemeClr val="accent1"/>
+          </a:fillRef>
+          <a:effectRef idx="0">
+            <a:schemeClr val="accent1"/>
+          </a:effectRef>
+          <a:fontRef idx="minor">
+            <a:schemeClr val="lt1"/>
+          </a:fontRef>
+        </p:style>
+        <p:txBody>
+          <a:bodyPr rtlCol="0" anchor="ctr"/>
+          <a:lstStyle/>
+          <a:p>
+            <a:pPr algn="ctr"/>
+            <a:endParaRPr lang="en-US">
+              <a:ln>
+                <a:solidFill>
+                  <a:srgbClr val="FF0000"/>
+                </a:solidFill>
+              </a:ln>
+              <a:solidFill>
+                <a:srgbClr val="FF0000"/>
+              </a:solidFill>
+            </a:endParaRPr>
+          </a:p>
+        </p:txBody>
+      </p:sp>
+      <p:sp>
+        <p:nvSpPr>
+          <p:cNvPr id="18" name="Oval 17"/>
+          <p:cNvSpPr/>
+          <p:nvPr/>
+        </p:nvSpPr>
+        <p:spPr>
+          <a:xfrm>
+            <a:off x="3804717" y="2672372"/>
+            <a:ext cx="137160" cy="137160"/>
+          </a:xfrm>
+          <a:prstGeom prst="ellipse">
+            <a:avLst/>
+          </a:prstGeom>
+          <a:solidFill>
+            <a:srgbClr val="FF0000"/>
+          </a:solidFill>
+          <a:ln w="9525">
+            <a:solidFill>
+              <a:srgbClr val="0070C0"/>
+            </a:solidFill>
+          </a:ln>
+        </p:spPr>
+        <p:style>
+          <a:lnRef idx="2">
+            <a:schemeClr val="accent1">
+              <a:shade val="50000"/>
+            </a:schemeClr>
+          </a:lnRef>
+          <a:fillRef idx="1">
+            <a:schemeClr val="accent1"/>
+          </a:fillRef>
+          <a:effectRef idx="0">
+            <a:schemeClr val="accent1"/>
+          </a:effectRef>
+          <a:fontRef idx="minor">
+            <a:schemeClr val="lt1"/>
+          </a:fontRef>
+        </p:style>
+        <p:txBody>
+          <a:bodyPr rtlCol="0" anchor="ctr"/>
+          <a:lstStyle/>
+          <a:p>
+            <a:pPr algn="ctr"/>
+            <a:endParaRPr lang="en-US">
+              <a:ln>
+                <a:solidFill>
+                  <a:srgbClr val="FF0000"/>
+                </a:solidFill>
+              </a:ln>
+              <a:solidFill>
+                <a:srgbClr val="FF0000"/>
+              </a:solidFill>
+            </a:endParaRPr>
+          </a:p>
+        </p:txBody>
+      </p:sp>
+      <p:sp>
+        <p:nvSpPr>
+          <p:cNvPr id="19" name="Oval 18"/>
+          <p:cNvSpPr/>
+          <p:nvPr/>
+        </p:nvSpPr>
+        <p:spPr>
+          <a:xfrm>
+            <a:off x="1418913" y="2770313"/>
+            <a:ext cx="137160" cy="137160"/>
+          </a:xfrm>
+          <a:prstGeom prst="ellipse">
+            <a:avLst/>
+          </a:prstGeom>
+          <a:solidFill>
+            <a:srgbClr val="FF0000"/>
+          </a:solidFill>
+          <a:ln w="9525">
+            <a:solidFill>
+              <a:srgbClr val="0070C0"/>
+            </a:solidFill>
+          </a:ln>
+        </p:spPr>
+        <p:style>
+          <a:lnRef idx="2">
+            <a:schemeClr val="accent1">
+              <a:shade val="50000"/>
+            </a:schemeClr>
+          </a:lnRef>
+          <a:fillRef idx="1">
+            <a:schemeClr val="accent1"/>
+          </a:fillRef>
+          <a:effectRef idx="0">
+            <a:schemeClr val="accent1"/>
+          </a:effectRef>
+          <a:fontRef idx="minor">
+            <a:schemeClr val="lt1"/>
+          </a:fontRef>
+        </p:style>
+        <p:txBody>
+          <a:bodyPr rtlCol="0" anchor="ctr"/>
+          <a:lstStyle/>
+          <a:p>
+            <a:pPr algn="ctr"/>
+            <a:endParaRPr lang="en-US">
+              <a:ln>
+                <a:solidFill>
+                  <a:srgbClr val="FF0000"/>
+                </a:solidFill>
+              </a:ln>
+              <a:solidFill>
+                <a:srgbClr val="FF0000"/>
+              </a:solidFill>
+            </a:endParaRPr>
+          </a:p>
+        </p:txBody>
+      </p:sp>
+      <p:sp>
+        <p:nvSpPr>
+          <p:cNvPr id="20" name="Oval 19"/>
+          <p:cNvSpPr/>
+          <p:nvPr/>
+        </p:nvSpPr>
+        <p:spPr>
+          <a:xfrm>
+            <a:off x="2735824" y="3215795"/>
+            <a:ext cx="137160" cy="137160"/>
+          </a:xfrm>
+          <a:prstGeom prst="ellipse">
+            <a:avLst/>
+          </a:prstGeom>
+          <a:solidFill>
+            <a:srgbClr val="FF0000"/>
+          </a:solidFill>
+          <a:ln w="9525">
+            <a:solidFill>
+              <a:srgbClr val="0070C0"/>
+            </a:solidFill>
+          </a:ln>
+        </p:spPr>
+        <p:style>
+          <a:lnRef idx="2">
+            <a:schemeClr val="accent1">
+              <a:shade val="50000"/>
+            </a:schemeClr>
+          </a:lnRef>
+          <a:fillRef idx="1">
+            <a:schemeClr val="accent1"/>
+          </a:fillRef>
+          <a:effectRef idx="0">
+            <a:schemeClr val="accent1"/>
+          </a:effectRef>
+          <a:fontRef idx="minor">
+            <a:schemeClr val="lt1"/>
+          </a:fontRef>
+        </p:style>
+        <p:txBody>
+          <a:bodyPr rtlCol="0" anchor="ctr"/>
+          <a:lstStyle/>
+          <a:p>
+            <a:pPr algn="ctr"/>
+            <a:endParaRPr lang="en-US">
+              <a:ln>
+                <a:solidFill>
+                  <a:srgbClr val="FF0000"/>
+                </a:solidFill>
+              </a:ln>
+              <a:solidFill>
+                <a:srgbClr val="FF0000"/>
+              </a:solidFill>
+            </a:endParaRPr>
+          </a:p>
+        </p:txBody>
+      </p:sp>
+      <p:sp>
+        <p:nvSpPr>
+          <p:cNvPr id="21" name="Oval 20"/>
+          <p:cNvSpPr/>
+          <p:nvPr/>
+        </p:nvSpPr>
+        <p:spPr>
+          <a:xfrm>
+            <a:off x="1831492" y="3453377"/>
+            <a:ext cx="137160" cy="137160"/>
+          </a:xfrm>
+          <a:prstGeom prst="ellipse">
+            <a:avLst/>
+          </a:prstGeom>
+          <a:solidFill>
+            <a:srgbClr val="FF0000"/>
+          </a:solidFill>
+          <a:ln w="9525">
+            <a:solidFill>
+              <a:srgbClr val="0070C0"/>
+            </a:solidFill>
+          </a:ln>
+        </p:spPr>
+        <p:style>
+          <a:lnRef idx="2">
+            <a:schemeClr val="accent1">
+              <a:shade val="50000"/>
+            </a:schemeClr>
+          </a:lnRef>
+          <a:fillRef idx="1">
+            <a:schemeClr val="accent1"/>
+          </a:fillRef>
+          <a:effectRef idx="0">
+            <a:schemeClr val="accent1"/>
+          </a:effectRef>
+          <a:fontRef idx="minor">
+            <a:schemeClr val="lt1"/>
+          </a:fontRef>
+        </p:style>
+        <p:txBody>
+          <a:bodyPr rtlCol="0" anchor="ctr"/>
+          <a:lstStyle/>
+          <a:p>
+            <a:pPr algn="ctr"/>
+            <a:endParaRPr lang="en-US">
+              <a:ln>
+                <a:solidFill>
+                  <a:srgbClr val="FF0000"/>
+                </a:solidFill>
+              </a:ln>
+              <a:solidFill>
+                <a:srgbClr val="FF0000"/>
+              </a:solidFill>
+            </a:endParaRPr>
+          </a:p>
+        </p:txBody>
+      </p:sp>
+      <p:cxnSp>
+        <p:nvCxnSpPr>
+          <p:cNvPr id="9" name="Straight Connector 8"/>
+          <p:cNvCxnSpPr/>
+          <p:nvPr/>
+        </p:nvCxnSpPr>
+        <p:spPr>
+          <a:xfrm flipV="1">
+            <a:off x="5723140" y="2396811"/>
+            <a:ext cx="1207294" cy="306516"/>
+          </a:xfrm>
+          <a:prstGeom prst="line">
+            <a:avLst/>
+          </a:prstGeom>
+          <a:ln w="28575">
+            <a:solidFill>
+              <a:schemeClr val="accent1">
+                <a:lumMod val="75000"/>
+              </a:schemeClr>
+            </a:solidFill>
+          </a:ln>
+        </p:spPr>
+        <p:style>
+          <a:lnRef idx="1">
+            <a:schemeClr val="accent1"/>
+          </a:lnRef>
+          <a:fillRef idx="0">
+            <a:schemeClr val="accent1"/>
+          </a:fillRef>
+          <a:effectRef idx="0">
+            <a:schemeClr val="accent1"/>
+          </a:effectRef>
+          <a:fontRef idx="minor">
+            <a:schemeClr val="tx1"/>
+          </a:fontRef>
+        </p:style>
+      </p:cxnSp>
+      <p:cxnSp>
+        <p:nvCxnSpPr>
+          <p:cNvPr id="10" name="Straight Connector 9"/>
+          <p:cNvCxnSpPr/>
+          <p:nvPr/>
+        </p:nvCxnSpPr>
+        <p:spPr>
+          <a:xfrm>
+            <a:off x="6027940" y="2084867"/>
+            <a:ext cx="702469" cy="935831"/>
+          </a:xfrm>
+          <a:prstGeom prst="line">
+            <a:avLst/>
+          </a:prstGeom>
+          <a:ln w="28575">
+            <a:solidFill>
+              <a:schemeClr val="accent1">
+                <a:lumMod val="75000"/>
+              </a:schemeClr>
+            </a:solidFill>
+          </a:ln>
+        </p:spPr>
+        <p:style>
+          <a:lnRef idx="1">
+            <a:schemeClr val="accent1"/>
+          </a:lnRef>
+          <a:fillRef idx="0">
+            <a:schemeClr val="accent1"/>
+          </a:fillRef>
+          <a:effectRef idx="0">
+            <a:schemeClr val="accent1"/>
+          </a:effectRef>
+          <a:fontRef idx="minor">
+            <a:schemeClr val="tx1"/>
+          </a:fontRef>
+        </p:style>
+      </p:cxnSp>
+      <p:sp>
+        <p:nvSpPr>
+          <p:cNvPr id="30" name="Freeform 29"/>
+          <p:cNvSpPr/>
+          <p:nvPr/>
+        </p:nvSpPr>
+        <p:spPr>
+          <a:xfrm>
+            <a:off x="4501648" y="2062716"/>
+            <a:ext cx="2668772" cy="1281224"/>
+          </a:xfrm>
+          <a:custGeom>
+            <a:avLst/>
+            <a:gdLst>
+              <a:gd name="connsiteX0" fmla="*/ 0 w 2668772"/>
+              <a:gd name="connsiteY0" fmla="*/ 765544 h 1281224"/>
+              <a:gd name="connsiteX1" fmla="*/ 824023 w 2668772"/>
+              <a:gd name="connsiteY1" fmla="*/ 0 h 1281224"/>
+              <a:gd name="connsiteX2" fmla="*/ 2222204 w 2668772"/>
+              <a:gd name="connsiteY2" fmla="*/ 42531 h 1281224"/>
+              <a:gd name="connsiteX3" fmla="*/ 2668772 w 2668772"/>
+              <a:gd name="connsiteY3" fmla="*/ 712382 h 1281224"/>
+              <a:gd name="connsiteX4" fmla="*/ 1616148 w 2668772"/>
+              <a:gd name="connsiteY4" fmla="*/ 1281224 h 1281224"/>
+              <a:gd name="connsiteX5" fmla="*/ 824023 w 2668772"/>
+              <a:gd name="connsiteY5" fmla="*/ 15949 h 1281224"/>
+            </a:gdLst>
+            <a:ahLst/>
+            <a:cxnLst>
+              <a:cxn ang="0">
+                <a:pos x="connsiteX0" y="connsiteY0"/>
+              </a:cxn>
+              <a:cxn ang="0">
+                <a:pos x="connsiteX1" y="connsiteY1"/>
+              </a:cxn>
+              <a:cxn ang="0">
+                <a:pos x="connsiteX2" y="connsiteY2"/>
+              </a:cxn>
+              <a:cxn ang="0">
+                <a:pos x="connsiteX3" y="connsiteY3"/>
+              </a:cxn>
+              <a:cxn ang="0">
+                <a:pos x="connsiteX4" y="connsiteY4"/>
+              </a:cxn>
+              <a:cxn ang="0">
+                <a:pos x="connsiteX5" y="connsiteY5"/>
+              </a:cxn>
+            </a:cxnLst>
+            <a:rect l="l" t="t" r="r" b="b"/>
+            <a:pathLst>
+              <a:path w="2668772" h="1281224">
+                <a:moveTo>
+                  <a:pt x="0" y="765544"/>
+                </a:moveTo>
+                <a:lnTo>
+                  <a:pt x="824023" y="0"/>
+                </a:lnTo>
+                <a:lnTo>
+                  <a:pt x="2222204" y="42531"/>
+                </a:lnTo>
+                <a:lnTo>
+                  <a:pt x="2668772" y="712382"/>
+                </a:lnTo>
+                <a:lnTo>
+                  <a:pt x="1616148" y="1281224"/>
+                </a:lnTo>
+                <a:lnTo>
+                  <a:pt x="824023" y="15949"/>
+                </a:lnTo>
+              </a:path>
+            </a:pathLst>
+          </a:custGeom>
+          <a:noFill/>
+        </p:spPr>
+        <p:style>
+          <a:lnRef idx="2">
+            <a:schemeClr val="accent1">
+              <a:shade val="50000"/>
+            </a:schemeClr>
+          </a:lnRef>
+          <a:fillRef idx="1">
+            <a:schemeClr val="accent1"/>
+          </a:fillRef>
+          <a:effectRef idx="0">
+            <a:schemeClr val="accent1"/>
+          </a:effectRef>
+          <a:fontRef idx="minor">
+            <a:schemeClr val="lt1"/>
+          </a:fontRef>
+        </p:style>
+        <p:txBody>
+          <a:bodyPr rtlCol="0" anchor="ctr"/>
+          <a:lstStyle/>
+          <a:p>
+            <a:pPr algn="ctr"/>
+            <a:endParaRPr lang="en-US"/>
+          </a:p>
+        </p:txBody>
+      </p:sp>
+      <p:sp>
+        <p:nvSpPr>
+          <p:cNvPr id="31" name="Freeform 30"/>
+          <p:cNvSpPr/>
+          <p:nvPr/>
+        </p:nvSpPr>
+        <p:spPr>
+          <a:xfrm>
+            <a:off x="4517596" y="2828260"/>
+            <a:ext cx="1600200" cy="808075"/>
+          </a:xfrm>
+          <a:custGeom>
+            <a:avLst/>
+            <a:gdLst>
+              <a:gd name="connsiteX0" fmla="*/ 0 w 1600200"/>
+              <a:gd name="connsiteY0" fmla="*/ 0 h 808075"/>
+              <a:gd name="connsiteX1" fmla="*/ 489098 w 1600200"/>
+              <a:gd name="connsiteY1" fmla="*/ 808075 h 808075"/>
+              <a:gd name="connsiteX2" fmla="*/ 1600200 w 1600200"/>
+              <a:gd name="connsiteY2" fmla="*/ 520996 h 808075"/>
+              <a:gd name="connsiteX3" fmla="*/ 1600200 w 1600200"/>
+              <a:gd name="connsiteY3" fmla="*/ 520996 h 808075"/>
+            </a:gdLst>
+            <a:ahLst/>
+            <a:cxnLst>
+              <a:cxn ang="0">
+                <a:pos x="connsiteX0" y="connsiteY0"/>
+              </a:cxn>
+              <a:cxn ang="0">
+                <a:pos x="connsiteX1" y="connsiteY1"/>
+              </a:cxn>
+              <a:cxn ang="0">
+                <a:pos x="connsiteX2" y="connsiteY2"/>
+              </a:cxn>
+              <a:cxn ang="0">
+                <a:pos x="connsiteX3" y="connsiteY3"/>
+              </a:cxn>
+            </a:cxnLst>
+            <a:rect l="l" t="t" r="r" b="b"/>
+            <a:pathLst>
+              <a:path w="1600200" h="808075">
+                <a:moveTo>
+                  <a:pt x="0" y="0"/>
+                </a:moveTo>
+                <a:lnTo>
+                  <a:pt x="489098" y="808075"/>
+                </a:lnTo>
+                <a:lnTo>
+                  <a:pt x="1600200" y="520996"/>
+                </a:lnTo>
+                <a:lnTo>
+                  <a:pt x="1600200" y="520996"/>
+                </a:lnTo>
+              </a:path>
+            </a:pathLst>
+          </a:custGeom>
+          <a:noFill/>
+        </p:spPr>
+        <p:style>
+          <a:lnRef idx="2">
+            <a:schemeClr val="accent1">
+              <a:shade val="50000"/>
+            </a:schemeClr>
+          </a:lnRef>
+          <a:fillRef idx="1">
+            <a:schemeClr val="accent1"/>
+          </a:fillRef>
+          <a:effectRef idx="0">
+            <a:schemeClr val="accent1"/>
+          </a:effectRef>
+          <a:fontRef idx="minor">
+            <a:schemeClr val="lt1"/>
+          </a:fontRef>
+        </p:style>
+        <p:txBody>
+          <a:bodyPr rtlCol="0" anchor="ctr"/>
+          <a:lstStyle/>
+          <a:p>
+            <a:pPr algn="ctr"/>
+            <a:endParaRPr lang="en-US"/>
+          </a:p>
+        </p:txBody>
+      </p:sp>
+      <p:sp>
+        <p:nvSpPr>
+          <p:cNvPr id="38" name="Oval 37"/>
+          <p:cNvSpPr/>
+          <p:nvPr/>
+        </p:nvSpPr>
+        <p:spPr>
+          <a:xfrm>
+            <a:off x="5903166" y="2117094"/>
+            <a:ext cx="137160" cy="137160"/>
+          </a:xfrm>
+          <a:prstGeom prst="ellipse">
+            <a:avLst/>
+          </a:prstGeom>
+          <a:solidFill>
+            <a:srgbClr val="FF0000"/>
+          </a:solidFill>
+          <a:ln w="9525">
+            <a:solidFill>
+              <a:srgbClr val="0070C0"/>
+            </a:solidFill>
+          </a:ln>
+        </p:spPr>
+        <p:style>
+          <a:lnRef idx="2">
+            <a:schemeClr val="accent1">
+              <a:shade val="50000"/>
+            </a:schemeClr>
+          </a:lnRef>
+          <a:fillRef idx="1">
+            <a:schemeClr val="accent1"/>
+          </a:fillRef>
+          <a:effectRef idx="0">
+            <a:schemeClr val="accent1"/>
+          </a:effectRef>
+          <a:fontRef idx="minor">
+            <a:schemeClr val="lt1"/>
+          </a:fontRef>
+        </p:style>
+        <p:txBody>
+          <a:bodyPr rtlCol="0" anchor="ctr"/>
+          <a:lstStyle/>
+          <a:p>
+            <a:pPr algn="ctr"/>
+            <a:endParaRPr lang="en-US">
+              <a:ln>
+                <a:solidFill>
+                  <a:srgbClr val="FF0000"/>
+                </a:solidFill>
+              </a:ln>
+              <a:solidFill>
+                <a:srgbClr val="FF0000"/>
+              </a:solidFill>
+            </a:endParaRPr>
+          </a:p>
+        </p:txBody>
+      </p:sp>
+      <p:sp>
+        <p:nvSpPr>
+          <p:cNvPr id="39" name="Oval 38"/>
+          <p:cNvSpPr/>
+          <p:nvPr/>
+        </p:nvSpPr>
+        <p:spPr>
+          <a:xfrm>
+            <a:off x="6130178" y="2413162"/>
+            <a:ext cx="137160" cy="137160"/>
+          </a:xfrm>
+          <a:prstGeom prst="ellipse">
+            <a:avLst/>
+          </a:prstGeom>
+          <a:solidFill>
+            <a:srgbClr val="FF0000"/>
+          </a:solidFill>
+          <a:ln w="9525">
+            <a:solidFill>
+              <a:srgbClr val="0070C0"/>
+            </a:solidFill>
+          </a:ln>
+        </p:spPr>
+        <p:style>
+          <a:lnRef idx="2">
+            <a:schemeClr val="accent1">
+              <a:shade val="50000"/>
+            </a:schemeClr>
+          </a:lnRef>
+          <a:fillRef idx="1">
+            <a:schemeClr val="accent1"/>
+          </a:fillRef>
+          <a:effectRef idx="0">
+            <a:schemeClr val="accent1"/>
+          </a:effectRef>
+          <a:fontRef idx="minor">
+            <a:schemeClr val="lt1"/>
+          </a:fontRef>
+        </p:style>
+        <p:txBody>
+          <a:bodyPr rtlCol="0" anchor="ctr"/>
+          <a:lstStyle/>
+          <a:p>
+            <a:pPr algn="ctr"/>
+            <a:endParaRPr lang="en-US">
+              <a:ln>
+                <a:solidFill>
+                  <a:srgbClr val="FF0000"/>
+                </a:solidFill>
+              </a:ln>
+              <a:solidFill>
+                <a:srgbClr val="FF0000"/>
+              </a:solidFill>
+            </a:endParaRPr>
+          </a:p>
+        </p:txBody>
+      </p:sp>
+      <p:sp>
+        <p:nvSpPr>
+          <p:cNvPr id="40" name="Oval 39"/>
+          <p:cNvSpPr/>
+          <p:nvPr/>
+        </p:nvSpPr>
+        <p:spPr>
+          <a:xfrm>
+            <a:off x="6507210" y="2917194"/>
+            <a:ext cx="137160" cy="137160"/>
+          </a:xfrm>
+          <a:prstGeom prst="ellipse">
+            <a:avLst/>
+          </a:prstGeom>
+          <a:solidFill>
+            <a:srgbClr val="FF0000"/>
+          </a:solidFill>
+          <a:ln w="9525">
+            <a:solidFill>
+              <a:srgbClr val="0070C0"/>
+            </a:solidFill>
+          </a:ln>
+        </p:spPr>
+        <p:style>
+          <a:lnRef idx="2">
+            <a:schemeClr val="accent1">
+              <a:shade val="50000"/>
+            </a:schemeClr>
+          </a:lnRef>
+          <a:fillRef idx="1">
+            <a:schemeClr val="accent1"/>
+          </a:fillRef>
+          <a:effectRef idx="0">
+            <a:schemeClr val="accent1"/>
+          </a:effectRef>
+          <a:fontRef idx="minor">
+            <a:schemeClr val="lt1"/>
+          </a:fontRef>
+        </p:style>
+        <p:txBody>
+          <a:bodyPr rtlCol="0" anchor="ctr"/>
+          <a:lstStyle/>
+          <a:p>
+            <a:pPr algn="ctr"/>
+            <a:endParaRPr lang="en-US">
+              <a:ln>
+                <a:solidFill>
+                  <a:srgbClr val="FF0000"/>
+                </a:solidFill>
+              </a:ln>
+              <a:solidFill>
+                <a:srgbClr val="FF0000"/>
+              </a:solidFill>
+            </a:endParaRPr>
+          </a:p>
+        </p:txBody>
+      </p:sp>
+      <p:sp>
+        <p:nvSpPr>
+          <p:cNvPr id="41" name="Oval 40"/>
+          <p:cNvSpPr/>
+          <p:nvPr/>
+        </p:nvSpPr>
+        <p:spPr>
+          <a:xfrm>
+            <a:off x="6699297" y="2271875"/>
+            <a:ext cx="137160" cy="137160"/>
+          </a:xfrm>
+          <a:prstGeom prst="ellipse">
+            <a:avLst/>
+          </a:prstGeom>
+          <a:solidFill>
+            <a:srgbClr val="FF0000"/>
+          </a:solidFill>
+          <a:ln w="9525">
+            <a:solidFill>
+              <a:srgbClr val="0070C0"/>
+            </a:solidFill>
+          </a:ln>
+        </p:spPr>
+        <p:style>
+          <a:lnRef idx="2">
+            <a:schemeClr val="accent1">
+              <a:shade val="50000"/>
+            </a:schemeClr>
+          </a:lnRef>
+          <a:fillRef idx="1">
+            <a:schemeClr val="accent1"/>
+          </a:fillRef>
+          <a:effectRef idx="0">
+            <a:schemeClr val="accent1"/>
+          </a:effectRef>
+          <a:fontRef idx="minor">
+            <a:schemeClr val="lt1"/>
+          </a:fontRef>
+        </p:style>
+        <p:txBody>
+          <a:bodyPr rtlCol="0" anchor="ctr"/>
+          <a:lstStyle/>
+          <a:p>
+            <a:pPr algn="ctr"/>
+            <a:endParaRPr lang="en-US">
+              <a:ln>
+                <a:solidFill>
+                  <a:srgbClr val="FF0000"/>
+                </a:solidFill>
+              </a:ln>
+              <a:solidFill>
+                <a:srgbClr val="FF0000"/>
+              </a:solidFill>
+            </a:endParaRPr>
+          </a:p>
+        </p:txBody>
+      </p:sp>
+      <p:sp>
+        <p:nvSpPr>
+          <p:cNvPr id="42" name="Oval 41"/>
+          <p:cNvSpPr/>
+          <p:nvPr/>
+        </p:nvSpPr>
+        <p:spPr>
+          <a:xfrm>
+            <a:off x="5687897" y="2525250"/>
+            <a:ext cx="137160" cy="137160"/>
+          </a:xfrm>
+          <a:prstGeom prst="ellipse">
+            <a:avLst/>
+          </a:prstGeom>
+          <a:solidFill>
+            <a:srgbClr val="FF0000"/>
+          </a:solidFill>
+          <a:ln w="9525">
+            <a:solidFill>
+              <a:srgbClr val="0070C0"/>
+            </a:solidFill>
+          </a:ln>
+        </p:spPr>
+        <p:style>
+          <a:lnRef idx="2">
+            <a:schemeClr val="accent1">
+              <a:shade val="50000"/>
+            </a:schemeClr>
+          </a:lnRef>
+          <a:fillRef idx="1">
+            <a:schemeClr val="accent1"/>
+          </a:fillRef>
+          <a:effectRef idx="0">
+            <a:schemeClr val="accent1"/>
+          </a:effectRef>
+          <a:fontRef idx="minor">
+            <a:schemeClr val="lt1"/>
+          </a:fontRef>
+        </p:style>
+        <p:txBody>
+          <a:bodyPr rtlCol="0" anchor="ctr"/>
+          <a:lstStyle/>
+          <a:p>
+            <a:pPr algn="ctr"/>
+            <a:endParaRPr lang="en-US">
+              <a:ln>
+                <a:solidFill>
+                  <a:srgbClr val="FF0000"/>
+                </a:solidFill>
+              </a:ln>
+              <a:solidFill>
+                <a:srgbClr val="FF0000"/>
+              </a:solidFill>
+            </a:endParaRPr>
+          </a:p>
+        </p:txBody>
+      </p:sp>
+      <p:sp>
+        <p:nvSpPr>
+          <p:cNvPr id="27" name="Oval 26"/>
+          <p:cNvSpPr/>
+          <p:nvPr/>
+        </p:nvSpPr>
+        <p:spPr>
+          <a:xfrm>
+            <a:off x="2268700" y="2095408"/>
+            <a:ext cx="137160" cy="137160"/>
+          </a:xfrm>
+          <a:prstGeom prst="ellipse">
+            <a:avLst/>
+          </a:prstGeom>
+          <a:solidFill>
+            <a:srgbClr val="FF0000"/>
+          </a:solidFill>
+          <a:ln w="9525">
+            <a:solidFill>
+              <a:srgbClr val="0070C0"/>
+            </a:solidFill>
+          </a:ln>
+        </p:spPr>
+        <p:style>
+          <a:lnRef idx="2">
+            <a:schemeClr val="accent1">
+              <a:shade val="50000"/>
+            </a:schemeClr>
+          </a:lnRef>
+          <a:fillRef idx="1">
+            <a:schemeClr val="accent1"/>
+          </a:fillRef>
+          <a:effectRef idx="0">
+            <a:schemeClr val="accent1"/>
+          </a:effectRef>
+          <a:fontRef idx="minor">
+            <a:schemeClr val="lt1"/>
+          </a:fontRef>
+        </p:style>
+        <p:txBody>
+          <a:bodyPr rtlCol="0" anchor="ctr"/>
+          <a:lstStyle/>
+          <a:p>
+            <a:pPr algn="ctr"/>
+            <a:endParaRPr lang="en-US">
+              <a:ln>
+                <a:solidFill>
+                  <a:srgbClr val="FF0000"/>
+                </a:solidFill>
+              </a:ln>
+              <a:solidFill>
+                <a:srgbClr val="FF0000"/>
+              </a:solidFill>
+            </a:endParaRPr>
+          </a:p>
+        </p:txBody>
+      </p:sp>
+      <p:sp>
+        <p:nvSpPr>
+          <p:cNvPr id="28" name="Oval 27"/>
+          <p:cNvSpPr/>
+          <p:nvPr/>
+        </p:nvSpPr>
+        <p:spPr>
+          <a:xfrm>
+            <a:off x="2928306" y="3140777"/>
+            <a:ext cx="137160" cy="137160"/>
+          </a:xfrm>
+          <a:prstGeom prst="ellipse">
+            <a:avLst/>
+          </a:prstGeom>
+          <a:solidFill>
+            <a:srgbClr val="FF0000"/>
+          </a:solidFill>
+          <a:ln w="9525">
+            <a:solidFill>
+              <a:srgbClr val="0070C0"/>
+            </a:solidFill>
+          </a:ln>
+        </p:spPr>
+        <p:style>
+          <a:lnRef idx="2">
+            <a:schemeClr val="accent1">
+              <a:shade val="50000"/>
+            </a:schemeClr>
+          </a:lnRef>
+          <a:fillRef idx="1">
+            <a:schemeClr val="accent1"/>
+          </a:fillRef>
+          <a:effectRef idx="0">
+            <a:schemeClr val="accent1"/>
+          </a:effectRef>
+          <a:fontRef idx="minor">
+            <a:schemeClr val="lt1"/>
+          </a:fontRef>
+        </p:style>
+        <p:txBody>
+          <a:bodyPr rtlCol="0" anchor="ctr"/>
+          <a:lstStyle/>
+          <a:p>
+            <a:pPr algn="ctr"/>
+            <a:endParaRPr lang="en-US">
+              <a:ln>
+                <a:solidFill>
+                  <a:srgbClr val="FF0000"/>
+                </a:solidFill>
+              </a:ln>
+              <a:solidFill>
+                <a:srgbClr val="FF0000"/>
+              </a:solidFill>
+            </a:endParaRPr>
+          </a:p>
+        </p:txBody>
+      </p:sp>
+      <p:sp>
+        <p:nvSpPr>
+          <p:cNvPr id="49" name="Oval 48"/>
+          <p:cNvSpPr/>
+          <p:nvPr/>
+        </p:nvSpPr>
+        <p:spPr>
+          <a:xfrm>
+            <a:off x="6148435" y="2112331"/>
+            <a:ext cx="137160" cy="137160"/>
+          </a:xfrm>
+          <a:prstGeom prst="ellipse">
+            <a:avLst/>
+          </a:prstGeom>
+          <a:solidFill>
+            <a:srgbClr val="FF0000"/>
+          </a:solidFill>
+          <a:ln w="9525">
+            <a:solidFill>
+              <a:srgbClr val="0070C0"/>
+            </a:solidFill>
+          </a:ln>
+        </p:spPr>
+        <p:style>
+          <a:lnRef idx="2">
+            <a:schemeClr val="accent1">
+              <a:shade val="50000"/>
+            </a:schemeClr>
+          </a:lnRef>
+          <a:fillRef idx="1">
+            <a:schemeClr val="accent1"/>
+          </a:fillRef>
+          <a:effectRef idx="0">
+            <a:schemeClr val="accent1"/>
+          </a:effectRef>
+          <a:fontRef idx="minor">
+            <a:schemeClr val="lt1"/>
+          </a:fontRef>
+        </p:style>
+        <p:txBody>
+          <a:bodyPr rtlCol="0" anchor="ctr"/>
+          <a:lstStyle/>
+          <a:p>
+            <a:pPr algn="ctr"/>
+            <a:endParaRPr lang="en-US">
+              <a:ln>
+                <a:solidFill>
+                  <a:srgbClr val="FF0000"/>
+                </a:solidFill>
+              </a:ln>
+              <a:solidFill>
+                <a:srgbClr val="FF0000"/>
+              </a:solidFill>
+            </a:endParaRPr>
+          </a:p>
+        </p:txBody>
+      </p:sp>
+      <p:sp>
+        <p:nvSpPr>
+          <p:cNvPr id="50" name="Oval 49"/>
+          <p:cNvSpPr/>
+          <p:nvPr/>
+        </p:nvSpPr>
+        <p:spPr>
+          <a:xfrm>
+            <a:off x="6336554" y="2355218"/>
+            <a:ext cx="137160" cy="137160"/>
+          </a:xfrm>
+          <a:prstGeom prst="ellipse">
+            <a:avLst/>
+          </a:prstGeom>
+          <a:solidFill>
+            <a:srgbClr val="FF0000"/>
+          </a:solidFill>
+          <a:ln w="9525">
+            <a:solidFill>
+              <a:srgbClr val="0070C0"/>
+            </a:solidFill>
+          </a:ln>
+        </p:spPr>
+        <p:style>
+          <a:lnRef idx="2">
+            <a:schemeClr val="accent1">
+              <a:shade val="50000"/>
+            </a:schemeClr>
+          </a:lnRef>
+          <a:fillRef idx="1">
+            <a:schemeClr val="accent1"/>
+          </a:fillRef>
+          <a:effectRef idx="0">
+            <a:schemeClr val="accent1"/>
+          </a:effectRef>
+          <a:fontRef idx="minor">
+            <a:schemeClr val="lt1"/>
+          </a:fontRef>
+        </p:style>
+        <p:txBody>
+          <a:bodyPr rtlCol="0" anchor="ctr"/>
+          <a:lstStyle/>
+          <a:p>
+            <a:pPr algn="ctr"/>
+            <a:endParaRPr lang="en-US">
+              <a:ln>
+                <a:solidFill>
+                  <a:srgbClr val="FF0000"/>
+                </a:solidFill>
+              </a:ln>
+              <a:solidFill>
+                <a:srgbClr val="FF0000"/>
+              </a:solidFill>
+            </a:endParaRPr>
+          </a:p>
+        </p:txBody>
+      </p:sp>
+      <p:sp>
+        <p:nvSpPr>
+          <p:cNvPr id="51" name="Oval 50"/>
+          <p:cNvSpPr/>
+          <p:nvPr/>
+        </p:nvSpPr>
+        <p:spPr>
+          <a:xfrm>
+            <a:off x="6824710" y="2457612"/>
+            <a:ext cx="137160" cy="137160"/>
+          </a:xfrm>
+          <a:prstGeom prst="ellipse">
+            <a:avLst/>
+          </a:prstGeom>
+          <a:solidFill>
+            <a:srgbClr val="FF0000"/>
+          </a:solidFill>
+          <a:ln w="9525">
+            <a:solidFill>
+              <a:srgbClr val="0070C0"/>
+            </a:solidFill>
+          </a:ln>
+        </p:spPr>
+        <p:style>
+          <a:lnRef idx="2">
+            <a:schemeClr val="accent1">
+              <a:shade val="50000"/>
+            </a:schemeClr>
+          </a:lnRef>
+          <a:fillRef idx="1">
+            <a:schemeClr val="accent1"/>
+          </a:fillRef>
+          <a:effectRef idx="0">
+            <a:schemeClr val="accent1"/>
+          </a:effectRef>
+          <a:fontRef idx="minor">
+            <a:schemeClr val="lt1"/>
+          </a:fontRef>
+        </p:style>
+        <p:txBody>
+          <a:bodyPr rtlCol="0" anchor="ctr"/>
+          <a:lstStyle/>
+          <a:p>
+            <a:pPr algn="ctr"/>
+            <a:endParaRPr lang="en-US">
+              <a:ln>
+                <a:solidFill>
+                  <a:srgbClr val="FF0000"/>
+                </a:solidFill>
+              </a:ln>
+              <a:solidFill>
+                <a:srgbClr val="FF0000"/>
+              </a:solidFill>
+            </a:endParaRPr>
+          </a:p>
+        </p:txBody>
+      </p:sp>
+      <p:sp>
+        <p:nvSpPr>
+          <p:cNvPr id="52" name="Oval 51"/>
+          <p:cNvSpPr/>
+          <p:nvPr/>
+        </p:nvSpPr>
+        <p:spPr>
+          <a:xfrm>
+            <a:off x="6255591" y="2581437"/>
+            <a:ext cx="137160" cy="137160"/>
+          </a:xfrm>
+          <a:prstGeom prst="ellipse">
+            <a:avLst/>
+          </a:prstGeom>
+          <a:solidFill>
+            <a:srgbClr val="FF0000"/>
+          </a:solidFill>
+          <a:ln w="9525">
+            <a:solidFill>
+              <a:srgbClr val="0070C0"/>
+            </a:solidFill>
+          </a:ln>
+        </p:spPr>
+        <p:style>
+          <a:lnRef idx="2">
+            <a:schemeClr val="accent1">
+              <a:shade val="50000"/>
+            </a:schemeClr>
+          </a:lnRef>
+          <a:fillRef idx="1">
+            <a:schemeClr val="accent1"/>
+          </a:fillRef>
+          <a:effectRef idx="0">
+            <a:schemeClr val="accent1"/>
+          </a:effectRef>
+          <a:fontRef idx="minor">
+            <a:schemeClr val="lt1"/>
+          </a:fontRef>
+        </p:style>
+        <p:txBody>
+          <a:bodyPr rtlCol="0" anchor="ctr"/>
+          <a:lstStyle/>
+          <a:p>
+            <a:pPr algn="ctr"/>
+            <a:endParaRPr lang="en-US">
+              <a:ln>
+                <a:solidFill>
+                  <a:srgbClr val="FF0000"/>
+                </a:solidFill>
+              </a:ln>
+              <a:solidFill>
+                <a:srgbClr val="FF0000"/>
+              </a:solidFill>
+            </a:endParaRPr>
+          </a:p>
+        </p:txBody>
+      </p:sp>
+      <p:sp>
+        <p:nvSpPr>
+          <p:cNvPr id="53" name="Oval 52"/>
+          <p:cNvSpPr/>
+          <p:nvPr/>
+        </p:nvSpPr>
+        <p:spPr>
+          <a:xfrm>
+            <a:off x="6681835" y="2819562"/>
+            <a:ext cx="137160" cy="137160"/>
+          </a:xfrm>
+          <a:prstGeom prst="ellipse">
+            <a:avLst/>
+          </a:prstGeom>
+          <a:solidFill>
+            <a:srgbClr val="FF0000"/>
+          </a:solidFill>
+          <a:ln w="9525">
+            <a:solidFill>
+              <a:srgbClr val="0070C0"/>
+            </a:solidFill>
+          </a:ln>
+        </p:spPr>
+        <p:style>
+          <a:lnRef idx="2">
+            <a:schemeClr val="accent1">
+              <a:shade val="50000"/>
+            </a:schemeClr>
+          </a:lnRef>
+          <a:fillRef idx="1">
+            <a:schemeClr val="accent1"/>
+          </a:fillRef>
+          <a:effectRef idx="0">
+            <a:schemeClr val="accent1"/>
+          </a:effectRef>
+          <a:fontRef idx="minor">
+            <a:schemeClr val="lt1"/>
+          </a:fontRef>
+        </p:style>
+        <p:txBody>
+          <a:bodyPr rtlCol="0" anchor="ctr"/>
+          <a:lstStyle/>
+          <a:p>
+            <a:pPr algn="ctr"/>
+            <a:endParaRPr lang="en-US">
+              <a:ln>
+                <a:solidFill>
+                  <a:srgbClr val="FF0000"/>
+                </a:solidFill>
+              </a:ln>
+              <a:solidFill>
+                <a:srgbClr val="FF0000"/>
+              </a:solidFill>
+            </a:endParaRPr>
+          </a:p>
+        </p:txBody>
+      </p:sp>
+      <p:sp>
+        <p:nvSpPr>
+          <p:cNvPr id="54" name="Oval 53"/>
+          <p:cNvSpPr/>
+          <p:nvPr/>
+        </p:nvSpPr>
+        <p:spPr>
+          <a:xfrm>
+            <a:off x="5807916" y="2712406"/>
+            <a:ext cx="137160" cy="137160"/>
+          </a:xfrm>
+          <a:prstGeom prst="ellipse">
+            <a:avLst/>
+          </a:prstGeom>
+          <a:solidFill>
+            <a:srgbClr val="FF0000"/>
+          </a:solidFill>
+          <a:ln w="9525">
+            <a:solidFill>
+              <a:srgbClr val="0070C0"/>
+            </a:solidFill>
+          </a:ln>
+        </p:spPr>
+        <p:style>
+          <a:lnRef idx="2">
+            <a:schemeClr val="accent1">
+              <a:shade val="50000"/>
+            </a:schemeClr>
+          </a:lnRef>
+          <a:fillRef idx="1">
+            <a:schemeClr val="accent1"/>
+          </a:fillRef>
+          <a:effectRef idx="0">
+            <a:schemeClr val="accent1"/>
+          </a:effectRef>
+          <a:fontRef idx="minor">
+            <a:schemeClr val="lt1"/>
+          </a:fontRef>
+        </p:style>
+        <p:txBody>
+          <a:bodyPr rtlCol="0" anchor="ctr"/>
+          <a:lstStyle/>
+          <a:p>
+            <a:pPr algn="ctr"/>
+            <a:endParaRPr lang="en-US">
+              <a:ln>
+                <a:solidFill>
+                  <a:srgbClr val="FF0000"/>
+                </a:solidFill>
+              </a:ln>
+              <a:solidFill>
+                <a:srgbClr val="FF0000"/>
+              </a:solidFill>
+            </a:endParaRPr>
+          </a:p>
+        </p:txBody>
+      </p:sp>
+      <p:sp>
+        <p:nvSpPr>
+          <p:cNvPr id="55" name="Oval 54"/>
+          <p:cNvSpPr/>
+          <p:nvPr/>
+        </p:nvSpPr>
+        <p:spPr>
+          <a:xfrm>
+            <a:off x="6469903" y="2533812"/>
+            <a:ext cx="137160" cy="137160"/>
+          </a:xfrm>
+          <a:prstGeom prst="ellipse">
+            <a:avLst/>
+          </a:prstGeom>
+          <a:solidFill>
+            <a:srgbClr val="FF0000"/>
+          </a:solidFill>
+          <a:ln w="9525">
+            <a:solidFill>
+              <a:srgbClr val="0070C0"/>
+            </a:solidFill>
+          </a:ln>
+        </p:spPr>
+        <p:style>
+          <a:lnRef idx="2">
+            <a:schemeClr val="accent1">
+              <a:shade val="50000"/>
+            </a:schemeClr>
+          </a:lnRef>
+          <a:fillRef idx="1">
+            <a:schemeClr val="accent1"/>
+          </a:fillRef>
+          <a:effectRef idx="0">
+            <a:schemeClr val="accent1"/>
+          </a:effectRef>
+          <a:fontRef idx="minor">
+            <a:schemeClr val="lt1"/>
+          </a:fontRef>
+        </p:style>
+        <p:txBody>
+          <a:bodyPr rtlCol="0" anchor="ctr"/>
+          <a:lstStyle/>
+          <a:p>
+            <a:pPr algn="ctr"/>
+            <a:endParaRPr lang="en-US">
+              <a:ln>
+                <a:solidFill>
+                  <a:srgbClr val="FF0000"/>
+                </a:solidFill>
+              </a:ln>
+              <a:solidFill>
+                <a:srgbClr val="FF0000"/>
+              </a:solidFill>
+            </a:endParaRPr>
+          </a:p>
+        </p:txBody>
+      </p:sp>
+      <p:sp>
+        <p:nvSpPr>
+          <p:cNvPr id="56" name="Oval 55"/>
+          <p:cNvSpPr/>
+          <p:nvPr/>
+        </p:nvSpPr>
+        <p:spPr>
+          <a:xfrm>
+            <a:off x="5231287" y="2145802"/>
+            <a:ext cx="137160" cy="137160"/>
+          </a:xfrm>
+          <a:prstGeom prst="ellipse">
+            <a:avLst/>
+          </a:prstGeom>
+          <a:solidFill>
+            <a:srgbClr val="FF0000"/>
+          </a:solidFill>
+          <a:ln w="9525">
+            <a:solidFill>
+              <a:srgbClr val="0070C0"/>
+            </a:solidFill>
+          </a:ln>
+        </p:spPr>
+        <p:style>
+          <a:lnRef idx="2">
+            <a:schemeClr val="accent1">
+              <a:shade val="50000"/>
+            </a:schemeClr>
+          </a:lnRef>
+          <a:fillRef idx="1">
+            <a:schemeClr val="accent1"/>
+          </a:fillRef>
+          <a:effectRef idx="0">
+            <a:schemeClr val="accent1"/>
+          </a:effectRef>
+          <a:fontRef idx="minor">
+            <a:schemeClr val="lt1"/>
+          </a:fontRef>
+        </p:style>
+        <p:txBody>
+          <a:bodyPr rtlCol="0" anchor="ctr"/>
+          <a:lstStyle/>
+          <a:p>
+            <a:pPr algn="ctr"/>
+            <a:endParaRPr lang="en-US">
+              <a:ln>
+                <a:solidFill>
+                  <a:srgbClr val="FF0000"/>
+                </a:solidFill>
+              </a:ln>
+              <a:solidFill>
+                <a:srgbClr val="FF0000"/>
+              </a:solidFill>
+            </a:endParaRPr>
+          </a:p>
+        </p:txBody>
+      </p:sp>
+      <p:sp>
+        <p:nvSpPr>
+          <p:cNvPr id="57" name="Oval 56"/>
+          <p:cNvSpPr/>
+          <p:nvPr/>
+        </p:nvSpPr>
+        <p:spPr>
+          <a:xfrm>
+            <a:off x="6596374" y="2130066"/>
+            <a:ext cx="137160" cy="137160"/>
+          </a:xfrm>
+          <a:prstGeom prst="ellipse">
+            <a:avLst/>
+          </a:prstGeom>
+          <a:solidFill>
+            <a:srgbClr val="FF0000"/>
+          </a:solidFill>
+          <a:ln w="9525">
+            <a:solidFill>
+              <a:srgbClr val="0070C0"/>
+            </a:solidFill>
+          </a:ln>
+        </p:spPr>
+        <p:style>
+          <a:lnRef idx="2">
+            <a:schemeClr val="accent1">
+              <a:shade val="50000"/>
+            </a:schemeClr>
+          </a:lnRef>
+          <a:fillRef idx="1">
+            <a:schemeClr val="accent1"/>
+          </a:fillRef>
+          <a:effectRef idx="0">
+            <a:schemeClr val="accent1"/>
+          </a:effectRef>
+          <a:fontRef idx="minor">
+            <a:schemeClr val="lt1"/>
+          </a:fontRef>
+        </p:style>
+        <p:txBody>
+          <a:bodyPr rtlCol="0" anchor="ctr"/>
+          <a:lstStyle/>
+          <a:p>
+            <a:pPr algn="ctr"/>
+            <a:endParaRPr lang="en-US">
+              <a:ln>
+                <a:solidFill>
+                  <a:srgbClr val="FF0000"/>
+                </a:solidFill>
+              </a:ln>
+              <a:solidFill>
+                <a:srgbClr val="FF0000"/>
+              </a:solidFill>
+            </a:endParaRPr>
+          </a:p>
+        </p:txBody>
+      </p:sp>
+      <p:sp>
+        <p:nvSpPr>
+          <p:cNvPr id="58" name="Oval 57"/>
+          <p:cNvSpPr/>
+          <p:nvPr/>
+        </p:nvSpPr>
+        <p:spPr>
+          <a:xfrm>
+            <a:off x="6957804" y="2663235"/>
+            <a:ext cx="137160" cy="137160"/>
+          </a:xfrm>
+          <a:prstGeom prst="ellipse">
+            <a:avLst/>
+          </a:prstGeom>
+          <a:solidFill>
+            <a:srgbClr val="FF0000"/>
+          </a:solidFill>
+          <a:ln w="9525">
+            <a:solidFill>
+              <a:srgbClr val="0070C0"/>
+            </a:solidFill>
+          </a:ln>
+        </p:spPr>
+        <p:style>
+          <a:lnRef idx="2">
+            <a:schemeClr val="accent1">
+              <a:shade val="50000"/>
+            </a:schemeClr>
+          </a:lnRef>
+          <a:fillRef idx="1">
+            <a:schemeClr val="accent1"/>
+          </a:fillRef>
+          <a:effectRef idx="0">
+            <a:schemeClr val="accent1"/>
+          </a:effectRef>
+          <a:fontRef idx="minor">
+            <a:schemeClr val="lt1"/>
+          </a:fontRef>
+        </p:style>
+        <p:txBody>
+          <a:bodyPr rtlCol="0" anchor="ctr"/>
+          <a:lstStyle/>
+          <a:p>
+            <a:pPr algn="ctr"/>
+            <a:endParaRPr lang="en-US">
+              <a:ln>
+                <a:solidFill>
+                  <a:srgbClr val="FF0000"/>
+                </a:solidFill>
+              </a:ln>
+              <a:solidFill>
+                <a:srgbClr val="FF0000"/>
+              </a:solidFill>
+            </a:endParaRPr>
+          </a:p>
+        </p:txBody>
+      </p:sp>
+      <p:sp>
+        <p:nvSpPr>
+          <p:cNvPr id="59" name="Oval 58"/>
+          <p:cNvSpPr/>
+          <p:nvPr/>
+        </p:nvSpPr>
+        <p:spPr>
+          <a:xfrm>
+            <a:off x="4572000" y="2761176"/>
+            <a:ext cx="137160" cy="137160"/>
+          </a:xfrm>
+          <a:prstGeom prst="ellipse">
+            <a:avLst/>
+          </a:prstGeom>
+          <a:solidFill>
+            <a:srgbClr val="FF0000"/>
+          </a:solidFill>
+          <a:ln w="9525">
+            <a:solidFill>
+              <a:srgbClr val="0070C0"/>
+            </a:solidFill>
+          </a:ln>
+        </p:spPr>
+        <p:style>
+          <a:lnRef idx="2">
+            <a:schemeClr val="accent1">
+              <a:shade val="50000"/>
+            </a:schemeClr>
+          </a:lnRef>
+          <a:fillRef idx="1">
+            <a:schemeClr val="accent1"/>
+          </a:fillRef>
+          <a:effectRef idx="0">
+            <a:schemeClr val="accent1"/>
+          </a:effectRef>
+          <a:fontRef idx="minor">
+            <a:schemeClr val="lt1"/>
+          </a:fontRef>
+        </p:style>
+        <p:txBody>
+          <a:bodyPr rtlCol="0" anchor="ctr"/>
+          <a:lstStyle/>
+          <a:p>
+            <a:pPr algn="ctr"/>
+            <a:endParaRPr lang="en-US">
+              <a:ln>
+                <a:solidFill>
+                  <a:srgbClr val="FF0000"/>
+                </a:solidFill>
+              </a:ln>
+              <a:solidFill>
+                <a:srgbClr val="FF0000"/>
+              </a:solidFill>
+            </a:endParaRPr>
+          </a:p>
+        </p:txBody>
+      </p:sp>
+      <p:sp>
+        <p:nvSpPr>
+          <p:cNvPr id="60" name="Oval 59"/>
+          <p:cNvSpPr/>
+          <p:nvPr/>
+        </p:nvSpPr>
+        <p:spPr>
+          <a:xfrm>
+            <a:off x="5888911" y="3206658"/>
+            <a:ext cx="137160" cy="137160"/>
+          </a:xfrm>
+          <a:prstGeom prst="ellipse">
+            <a:avLst/>
+          </a:prstGeom>
+          <a:solidFill>
+            <a:srgbClr val="FF0000"/>
+          </a:solidFill>
+          <a:ln w="9525">
+            <a:solidFill>
+              <a:srgbClr val="0070C0"/>
+            </a:solidFill>
+          </a:ln>
+        </p:spPr>
+        <p:style>
+          <a:lnRef idx="2">
+            <a:schemeClr val="accent1">
+              <a:shade val="50000"/>
+            </a:schemeClr>
+          </a:lnRef>
+          <a:fillRef idx="1">
+            <a:schemeClr val="accent1"/>
+          </a:fillRef>
+          <a:effectRef idx="0">
+            <a:schemeClr val="accent1"/>
+          </a:effectRef>
+          <a:fontRef idx="minor">
+            <a:schemeClr val="lt1"/>
+          </a:fontRef>
+        </p:style>
+        <p:txBody>
+          <a:bodyPr rtlCol="0" anchor="ctr"/>
+          <a:lstStyle/>
+          <a:p>
+            <a:pPr algn="ctr"/>
+            <a:endParaRPr lang="en-US">
+              <a:ln>
+                <a:solidFill>
+                  <a:srgbClr val="FF0000"/>
+                </a:solidFill>
+              </a:ln>
+              <a:solidFill>
+                <a:srgbClr val="FF0000"/>
+              </a:solidFill>
+            </a:endParaRPr>
+          </a:p>
+        </p:txBody>
+      </p:sp>
+      <p:sp>
+        <p:nvSpPr>
+          <p:cNvPr id="61" name="Oval 60"/>
+          <p:cNvSpPr/>
+          <p:nvPr/>
+        </p:nvSpPr>
+        <p:spPr>
+          <a:xfrm>
+            <a:off x="4984579" y="3444240"/>
+            <a:ext cx="137160" cy="137160"/>
+          </a:xfrm>
+          <a:prstGeom prst="ellipse">
+            <a:avLst/>
+          </a:prstGeom>
+          <a:solidFill>
+            <a:srgbClr val="FF0000"/>
+          </a:solidFill>
+          <a:ln w="9525">
+            <a:solidFill>
+              <a:srgbClr val="0070C0"/>
+            </a:solidFill>
+          </a:ln>
+        </p:spPr>
+        <p:style>
+          <a:lnRef idx="2">
+            <a:schemeClr val="accent1">
+              <a:shade val="50000"/>
+            </a:schemeClr>
+          </a:lnRef>
+          <a:fillRef idx="1">
+            <a:schemeClr val="accent1"/>
+          </a:fillRef>
+          <a:effectRef idx="0">
+            <a:schemeClr val="accent1"/>
+          </a:effectRef>
+          <a:fontRef idx="minor">
+            <a:schemeClr val="lt1"/>
+          </a:fontRef>
+        </p:style>
+        <p:txBody>
+          <a:bodyPr rtlCol="0" anchor="ctr"/>
+          <a:lstStyle/>
+          <a:p>
+            <a:pPr algn="ctr"/>
+            <a:endParaRPr lang="en-US">
+              <a:ln>
+                <a:solidFill>
+                  <a:srgbClr val="FF0000"/>
+                </a:solidFill>
+              </a:ln>
+              <a:solidFill>
+                <a:srgbClr val="FF0000"/>
+              </a:solidFill>
+            </a:endParaRPr>
+          </a:p>
+        </p:txBody>
+      </p:sp>
+      <p:sp>
+        <p:nvSpPr>
+          <p:cNvPr id="62" name="Oval 61"/>
+          <p:cNvSpPr/>
+          <p:nvPr/>
+        </p:nvSpPr>
+        <p:spPr>
+          <a:xfrm>
+            <a:off x="5421787" y="2086271"/>
+            <a:ext cx="137160" cy="137160"/>
+          </a:xfrm>
+          <a:prstGeom prst="ellipse">
+            <a:avLst/>
+          </a:prstGeom>
+          <a:solidFill>
+            <a:srgbClr val="FF0000"/>
+          </a:solidFill>
+          <a:ln w="9525">
+            <a:solidFill>
+              <a:srgbClr val="0070C0"/>
+            </a:solidFill>
+          </a:ln>
+        </p:spPr>
+        <p:style>
+          <a:lnRef idx="2">
+            <a:schemeClr val="accent1">
+              <a:shade val="50000"/>
+            </a:schemeClr>
+          </a:lnRef>
+          <a:fillRef idx="1">
+            <a:schemeClr val="accent1"/>
+          </a:fillRef>
+          <a:effectRef idx="0">
+            <a:schemeClr val="accent1"/>
+          </a:effectRef>
+          <a:fontRef idx="minor">
+            <a:schemeClr val="lt1"/>
+          </a:fontRef>
+        </p:style>
+        <p:txBody>
+          <a:bodyPr rtlCol="0" anchor="ctr"/>
+          <a:lstStyle/>
+          <a:p>
+            <a:pPr algn="ctr"/>
+            <a:endParaRPr lang="en-US">
+              <a:ln>
+                <a:solidFill>
+                  <a:srgbClr val="FF0000"/>
+                </a:solidFill>
+              </a:ln>
+              <a:solidFill>
+                <a:srgbClr val="FF0000"/>
+              </a:solidFill>
+            </a:endParaRPr>
+          </a:p>
+        </p:txBody>
+      </p:sp>
+      <p:sp>
+        <p:nvSpPr>
+          <p:cNvPr id="63" name="Oval 62"/>
+          <p:cNvSpPr/>
+          <p:nvPr/>
+        </p:nvSpPr>
+        <p:spPr>
+          <a:xfrm>
+            <a:off x="6081393" y="3131640"/>
+            <a:ext cx="137160" cy="137160"/>
+          </a:xfrm>
+          <a:prstGeom prst="ellipse">
+            <a:avLst/>
+          </a:prstGeom>
+          <a:solidFill>
+            <a:srgbClr val="FF0000"/>
+          </a:solidFill>
+          <a:ln w="9525">
+            <a:solidFill>
+              <a:srgbClr val="0070C0"/>
+            </a:solidFill>
+          </a:ln>
+        </p:spPr>
+        <p:style>
+          <a:lnRef idx="2">
+            <a:schemeClr val="accent1">
+              <a:shade val="50000"/>
+            </a:schemeClr>
+          </a:lnRef>
+          <a:fillRef idx="1">
+            <a:schemeClr val="accent1"/>
+          </a:fillRef>
+          <a:effectRef idx="0">
+            <a:schemeClr val="accent1"/>
+          </a:effectRef>
+          <a:fontRef idx="minor">
+            <a:schemeClr val="lt1"/>
+          </a:fontRef>
+        </p:style>
+        <p:txBody>
+          <a:bodyPr rtlCol="0" anchor="ctr"/>
+          <a:lstStyle/>
+          <a:p>
+            <a:pPr algn="ctr"/>
+            <a:endParaRPr lang="en-US">
+              <a:ln>
+                <a:solidFill>
+                  <a:srgbClr val="FF0000"/>
+                </a:solidFill>
+              </a:ln>
+              <a:solidFill>
+                <a:srgbClr val="FF0000"/>
+              </a:solidFill>
+            </a:endParaRPr>
+          </a:p>
+        </p:txBody>
+      </p:sp>
+      <p:sp>
+        <p:nvSpPr>
+          <p:cNvPr id="64" name="Oval 63"/>
+          <p:cNvSpPr/>
+          <p:nvPr/>
+        </p:nvSpPr>
+        <p:spPr>
+          <a:xfrm>
+            <a:off x="5564772" y="2695707"/>
+            <a:ext cx="137160" cy="137160"/>
+          </a:xfrm>
+          <a:prstGeom prst="ellipse">
+            <a:avLst/>
+          </a:prstGeom>
+          <a:solidFill>
+            <a:srgbClr val="FF0000"/>
+          </a:solidFill>
+          <a:ln w="9525">
+            <a:solidFill>
+              <a:srgbClr val="0070C0"/>
+            </a:solidFill>
+          </a:ln>
+        </p:spPr>
+        <p:style>
+          <a:lnRef idx="2">
+            <a:schemeClr val="accent1">
+              <a:shade val="50000"/>
+            </a:schemeClr>
+          </a:lnRef>
+          <a:fillRef idx="1">
+            <a:schemeClr val="accent1"/>
+          </a:fillRef>
+          <a:effectRef idx="0">
+            <a:schemeClr val="accent1"/>
+          </a:effectRef>
+          <a:fontRef idx="minor">
+            <a:schemeClr val="lt1"/>
+          </a:fontRef>
+        </p:style>
+        <p:txBody>
+          <a:bodyPr rtlCol="0" anchor="ctr"/>
+          <a:lstStyle/>
+          <a:p>
+            <a:pPr algn="ctr"/>
+            <a:endParaRPr lang="en-US">
+              <a:ln>
+                <a:solidFill>
+                  <a:srgbClr val="FF0000"/>
+                </a:solidFill>
+              </a:ln>
+              <a:solidFill>
+                <a:srgbClr val="FF0000"/>
+              </a:solidFill>
+            </a:endParaRPr>
+          </a:p>
+        </p:txBody>
+      </p:sp>
+    </p:spTree>
+    <p:extLst>
+      <p:ext uri="{BB962C8B-B14F-4D97-AF65-F5344CB8AC3E}">
+        <p14:creationId xmlns:p14="http://schemas.microsoft.com/office/powerpoint/2010/main" val="668116718"/>
+      </p:ext>
+    </p:extLst>
+  </p:cSld>
+  <p:clrMapOvr>
+    <a:masterClrMapping/>
+  </p:clrMapOvr>
+</p:sld>
+</file>
+
+<file path=ppt/slides/slide3.xml><?xml version="1.0" encoding="utf-8"?>
+<p:sld xmlns:a="http://schemas.openxmlformats.org/drawingml/2006/main" xmlns:r="http://schemas.openxmlformats.org/officeDocument/2006/relationships" xmlns:p="http://schemas.openxmlformats.org/presentationml/2006/main">
+  <p:cSld>
+    <p:spTree>
+      <p:nvGrpSpPr>
+        <p:cNvPr id="1" name=""/>
+        <p:cNvGrpSpPr/>
+        <p:nvPr/>
+      </p:nvGrpSpPr>
+      <p:grpSpPr>
+        <a:xfrm>
+          <a:off x="0" y="0"/>
+          <a:ext cx="0" cy="0"/>
+          <a:chOff x="0" y="0"/>
+          <a:chExt cx="0" cy="0"/>
+        </a:xfrm>
+      </p:grpSpPr>
+      <p:sp>
+        <p:nvSpPr>
+          <p:cNvPr id="4" name="Freeform 3"/>
+          <p:cNvSpPr/>
+          <p:nvPr/>
+        </p:nvSpPr>
+        <p:spPr>
+          <a:xfrm>
+            <a:off x="1345019" y="2062716"/>
+            <a:ext cx="2668772" cy="1281224"/>
+          </a:xfrm>
+          <a:custGeom>
+            <a:avLst/>
+            <a:gdLst>
+              <a:gd name="connsiteX0" fmla="*/ 0 w 2668772"/>
+              <a:gd name="connsiteY0" fmla="*/ 765544 h 1281224"/>
+              <a:gd name="connsiteX1" fmla="*/ 824023 w 2668772"/>
+              <a:gd name="connsiteY1" fmla="*/ 0 h 1281224"/>
+              <a:gd name="connsiteX2" fmla="*/ 2222204 w 2668772"/>
+              <a:gd name="connsiteY2" fmla="*/ 42531 h 1281224"/>
+              <a:gd name="connsiteX3" fmla="*/ 2668772 w 2668772"/>
+              <a:gd name="connsiteY3" fmla="*/ 712382 h 1281224"/>
+              <a:gd name="connsiteX4" fmla="*/ 1616148 w 2668772"/>
+              <a:gd name="connsiteY4" fmla="*/ 1281224 h 1281224"/>
+              <a:gd name="connsiteX5" fmla="*/ 824023 w 2668772"/>
+              <a:gd name="connsiteY5" fmla="*/ 15949 h 1281224"/>
+            </a:gdLst>
+            <a:ahLst/>
+            <a:cxnLst>
+              <a:cxn ang="0">
+                <a:pos x="connsiteX0" y="connsiteY0"/>
+              </a:cxn>
+              <a:cxn ang="0">
+                <a:pos x="connsiteX1" y="connsiteY1"/>
+              </a:cxn>
+              <a:cxn ang="0">
+                <a:pos x="connsiteX2" y="connsiteY2"/>
+              </a:cxn>
+              <a:cxn ang="0">
+                <a:pos x="connsiteX3" y="connsiteY3"/>
+              </a:cxn>
+              <a:cxn ang="0">
+                <a:pos x="connsiteX4" y="connsiteY4"/>
+              </a:cxn>
+              <a:cxn ang="0">
+                <a:pos x="connsiteX5" y="connsiteY5"/>
+              </a:cxn>
+            </a:cxnLst>
+            <a:rect l="l" t="t" r="r" b="b"/>
+            <a:pathLst>
+              <a:path w="2668772" h="1281224">
+                <a:moveTo>
+                  <a:pt x="0" y="765544"/>
+                </a:moveTo>
+                <a:lnTo>
+                  <a:pt x="824023" y="0"/>
+                </a:lnTo>
+                <a:lnTo>
+                  <a:pt x="2222204" y="42531"/>
+                </a:lnTo>
+                <a:lnTo>
+                  <a:pt x="2668772" y="712382"/>
+                </a:lnTo>
+                <a:lnTo>
+                  <a:pt x="1616148" y="1281224"/>
+                </a:lnTo>
+                <a:lnTo>
+                  <a:pt x="824023" y="15949"/>
+                </a:lnTo>
+              </a:path>
+            </a:pathLst>
+          </a:custGeom>
+          <a:noFill/>
+        </p:spPr>
+        <p:style>
+          <a:lnRef idx="2">
+            <a:schemeClr val="accent1">
+              <a:shade val="50000"/>
+            </a:schemeClr>
+          </a:lnRef>
+          <a:fillRef idx="1">
+            <a:schemeClr val="accent1"/>
+          </a:fillRef>
+          <a:effectRef idx="0">
+            <a:schemeClr val="accent1"/>
+          </a:effectRef>
+          <a:fontRef idx="minor">
+            <a:schemeClr val="lt1"/>
+          </a:fontRef>
+        </p:style>
+        <p:txBody>
+          <a:bodyPr rtlCol="0" anchor="ctr"/>
+          <a:lstStyle/>
+          <a:p>
+            <a:pPr algn="ctr"/>
+            <a:endParaRPr lang="en-US"/>
+          </a:p>
+        </p:txBody>
+      </p:sp>
+      <p:sp>
+        <p:nvSpPr>
+          <p:cNvPr id="5" name="Freeform 4"/>
+          <p:cNvSpPr/>
+          <p:nvPr/>
+        </p:nvSpPr>
+        <p:spPr>
+          <a:xfrm>
+            <a:off x="1360967" y="2828260"/>
+            <a:ext cx="1600200" cy="808075"/>
+          </a:xfrm>
+          <a:custGeom>
+            <a:avLst/>
+            <a:gdLst>
+              <a:gd name="connsiteX0" fmla="*/ 0 w 1600200"/>
+              <a:gd name="connsiteY0" fmla="*/ 0 h 808075"/>
+              <a:gd name="connsiteX1" fmla="*/ 489098 w 1600200"/>
+              <a:gd name="connsiteY1" fmla="*/ 808075 h 808075"/>
+              <a:gd name="connsiteX2" fmla="*/ 1600200 w 1600200"/>
+              <a:gd name="connsiteY2" fmla="*/ 520996 h 808075"/>
+              <a:gd name="connsiteX3" fmla="*/ 1600200 w 1600200"/>
+              <a:gd name="connsiteY3" fmla="*/ 520996 h 808075"/>
+            </a:gdLst>
+            <a:ahLst/>
+            <a:cxnLst>
+              <a:cxn ang="0">
+                <a:pos x="connsiteX0" y="connsiteY0"/>
+              </a:cxn>
+              <a:cxn ang="0">
+                <a:pos x="connsiteX1" y="connsiteY1"/>
+              </a:cxn>
+              <a:cxn ang="0">
+                <a:pos x="connsiteX2" y="connsiteY2"/>
+              </a:cxn>
+              <a:cxn ang="0">
+                <a:pos x="connsiteX3" y="connsiteY3"/>
+              </a:cxn>
+            </a:cxnLst>
+            <a:rect l="l" t="t" r="r" b="b"/>
+            <a:pathLst>
+              <a:path w="1600200" h="808075">
+                <a:moveTo>
+                  <a:pt x="0" y="0"/>
+                </a:moveTo>
+                <a:lnTo>
+                  <a:pt x="489098" y="808075"/>
+                </a:lnTo>
+                <a:lnTo>
+                  <a:pt x="1600200" y="520996"/>
+                </a:lnTo>
+                <a:lnTo>
+                  <a:pt x="1600200" y="520996"/>
+                </a:lnTo>
+              </a:path>
+            </a:pathLst>
+          </a:custGeom>
+          <a:noFill/>
+        </p:spPr>
+        <p:style>
+          <a:lnRef idx="2">
+            <a:schemeClr val="accent1">
+              <a:shade val="50000"/>
+            </a:schemeClr>
+          </a:lnRef>
+          <a:fillRef idx="1">
+            <a:schemeClr val="accent1"/>
+          </a:fillRef>
+          <a:effectRef idx="0">
+            <a:schemeClr val="accent1"/>
+          </a:effectRef>
+          <a:fontRef idx="minor">
+            <a:schemeClr val="lt1"/>
+          </a:fontRef>
+        </p:style>
+        <p:txBody>
+          <a:bodyPr rtlCol="0" anchor="ctr"/>
+          <a:lstStyle/>
+          <a:p>
+            <a:pPr algn="ctr"/>
+            <a:endParaRPr lang="en-US"/>
+          </a:p>
+        </p:txBody>
+      </p:sp>
+      <p:sp>
+        <p:nvSpPr>
+          <p:cNvPr id="17" name="Oval 16"/>
+          <p:cNvSpPr/>
+          <p:nvPr/>
+        </p:nvSpPr>
+        <p:spPr>
+          <a:xfrm>
+            <a:off x="3482339" y="2135798"/>
+            <a:ext cx="91440" cy="91440"/>
+          </a:xfrm>
+          <a:prstGeom prst="ellipse">
+            <a:avLst/>
+          </a:prstGeom>
+          <a:solidFill>
+            <a:srgbClr val="FF0000"/>
+          </a:solidFill>
+          <a:ln w="9525">
+            <a:solidFill>
+              <a:srgbClr val="0070C0"/>
+            </a:solidFill>
+          </a:ln>
+        </p:spPr>
+        <p:style>
+          <a:lnRef idx="2">
+            <a:schemeClr val="accent1">
+              <a:shade val="50000"/>
+            </a:schemeClr>
+          </a:lnRef>
+          <a:fillRef idx="1">
+            <a:schemeClr val="accent1"/>
+          </a:fillRef>
+          <a:effectRef idx="0">
+            <a:schemeClr val="accent1"/>
+          </a:effectRef>
+          <a:fontRef idx="minor">
+            <a:schemeClr val="lt1"/>
+          </a:fontRef>
+        </p:style>
+        <p:txBody>
+          <a:bodyPr rtlCol="0" anchor="ctr"/>
+          <a:lstStyle/>
+          <a:p>
+            <a:pPr algn="ctr"/>
+            <a:endParaRPr lang="en-US">
+              <a:ln>
+                <a:solidFill>
+                  <a:srgbClr val="FF0000"/>
+                </a:solidFill>
+              </a:ln>
+              <a:solidFill>
+                <a:srgbClr val="FF0000"/>
+              </a:solidFill>
+            </a:endParaRPr>
+          </a:p>
+        </p:txBody>
+      </p:sp>
+      <p:sp>
+        <p:nvSpPr>
+          <p:cNvPr id="30" name="Freeform 29"/>
+          <p:cNvSpPr/>
+          <p:nvPr/>
+        </p:nvSpPr>
+        <p:spPr>
+          <a:xfrm>
+            <a:off x="4501648" y="2062716"/>
+            <a:ext cx="2668772" cy="1281224"/>
+          </a:xfrm>
+          <a:custGeom>
+            <a:avLst/>
+            <a:gdLst>
+              <a:gd name="connsiteX0" fmla="*/ 0 w 2668772"/>
+              <a:gd name="connsiteY0" fmla="*/ 765544 h 1281224"/>
+              <a:gd name="connsiteX1" fmla="*/ 824023 w 2668772"/>
+              <a:gd name="connsiteY1" fmla="*/ 0 h 1281224"/>
+              <a:gd name="connsiteX2" fmla="*/ 2222204 w 2668772"/>
+              <a:gd name="connsiteY2" fmla="*/ 42531 h 1281224"/>
+              <a:gd name="connsiteX3" fmla="*/ 2668772 w 2668772"/>
+              <a:gd name="connsiteY3" fmla="*/ 712382 h 1281224"/>
+              <a:gd name="connsiteX4" fmla="*/ 1616148 w 2668772"/>
+              <a:gd name="connsiteY4" fmla="*/ 1281224 h 1281224"/>
+              <a:gd name="connsiteX5" fmla="*/ 824023 w 2668772"/>
+              <a:gd name="connsiteY5" fmla="*/ 15949 h 1281224"/>
+            </a:gdLst>
+            <a:ahLst/>
+            <a:cxnLst>
+              <a:cxn ang="0">
+                <a:pos x="connsiteX0" y="connsiteY0"/>
+              </a:cxn>
+              <a:cxn ang="0">
+                <a:pos x="connsiteX1" y="connsiteY1"/>
+              </a:cxn>
+              <a:cxn ang="0">
+                <a:pos x="connsiteX2" y="connsiteY2"/>
+              </a:cxn>
+              <a:cxn ang="0">
+                <a:pos x="connsiteX3" y="connsiteY3"/>
+              </a:cxn>
+              <a:cxn ang="0">
+                <a:pos x="connsiteX4" y="connsiteY4"/>
+              </a:cxn>
+              <a:cxn ang="0">
+                <a:pos x="connsiteX5" y="connsiteY5"/>
+              </a:cxn>
+            </a:cxnLst>
+            <a:rect l="l" t="t" r="r" b="b"/>
+            <a:pathLst>
+              <a:path w="2668772" h="1281224">
+                <a:moveTo>
+                  <a:pt x="0" y="765544"/>
+                </a:moveTo>
+                <a:lnTo>
+                  <a:pt x="824023" y="0"/>
+                </a:lnTo>
+                <a:lnTo>
+                  <a:pt x="2222204" y="42531"/>
+                </a:lnTo>
+                <a:lnTo>
+                  <a:pt x="2668772" y="712382"/>
+                </a:lnTo>
+                <a:lnTo>
+                  <a:pt x="1616148" y="1281224"/>
+                </a:lnTo>
+                <a:lnTo>
+                  <a:pt x="824023" y="15949"/>
+                </a:lnTo>
+              </a:path>
+            </a:pathLst>
+          </a:custGeom>
+          <a:noFill/>
+        </p:spPr>
+        <p:style>
+          <a:lnRef idx="2">
+            <a:schemeClr val="accent1">
+              <a:shade val="50000"/>
+            </a:schemeClr>
+          </a:lnRef>
+          <a:fillRef idx="1">
+            <a:schemeClr val="accent1"/>
+          </a:fillRef>
+          <a:effectRef idx="0">
+            <a:schemeClr val="accent1"/>
+          </a:effectRef>
+          <a:fontRef idx="minor">
+            <a:schemeClr val="lt1"/>
+          </a:fontRef>
+        </p:style>
+        <p:txBody>
+          <a:bodyPr rtlCol="0" anchor="ctr"/>
+          <a:lstStyle/>
+          <a:p>
+            <a:pPr algn="ctr"/>
+            <a:endParaRPr lang="en-US"/>
+          </a:p>
+        </p:txBody>
+      </p:sp>
+      <p:sp>
+        <p:nvSpPr>
+          <p:cNvPr id="31" name="Freeform 30"/>
+          <p:cNvSpPr/>
+          <p:nvPr/>
+        </p:nvSpPr>
+        <p:spPr>
+          <a:xfrm>
+            <a:off x="4517596" y="2828260"/>
+            <a:ext cx="1600200" cy="808075"/>
+          </a:xfrm>
+          <a:custGeom>
+            <a:avLst/>
+            <a:gdLst>
+              <a:gd name="connsiteX0" fmla="*/ 0 w 1600200"/>
+              <a:gd name="connsiteY0" fmla="*/ 0 h 808075"/>
+              <a:gd name="connsiteX1" fmla="*/ 489098 w 1600200"/>
+              <a:gd name="connsiteY1" fmla="*/ 808075 h 808075"/>
+              <a:gd name="connsiteX2" fmla="*/ 1600200 w 1600200"/>
+              <a:gd name="connsiteY2" fmla="*/ 520996 h 808075"/>
+              <a:gd name="connsiteX3" fmla="*/ 1600200 w 1600200"/>
+              <a:gd name="connsiteY3" fmla="*/ 520996 h 808075"/>
+            </a:gdLst>
+            <a:ahLst/>
+            <a:cxnLst>
+              <a:cxn ang="0">
+                <a:pos x="connsiteX0" y="connsiteY0"/>
+              </a:cxn>
+              <a:cxn ang="0">
+                <a:pos x="connsiteX1" y="connsiteY1"/>
+              </a:cxn>
+              <a:cxn ang="0">
+                <a:pos x="connsiteX2" y="connsiteY2"/>
+              </a:cxn>
+              <a:cxn ang="0">
+                <a:pos x="connsiteX3" y="connsiteY3"/>
+              </a:cxn>
+            </a:cxnLst>
+            <a:rect l="l" t="t" r="r" b="b"/>
+            <a:pathLst>
+              <a:path w="1600200" h="808075">
+                <a:moveTo>
+                  <a:pt x="0" y="0"/>
+                </a:moveTo>
+                <a:lnTo>
+                  <a:pt x="489098" y="808075"/>
+                </a:lnTo>
+                <a:lnTo>
+                  <a:pt x="1600200" y="520996"/>
+                </a:lnTo>
+                <a:lnTo>
+                  <a:pt x="1600200" y="520996"/>
+                </a:lnTo>
+              </a:path>
+            </a:pathLst>
+          </a:custGeom>
+          <a:noFill/>
+        </p:spPr>
+        <p:style>
+          <a:lnRef idx="2">
+            <a:schemeClr val="accent1">
+              <a:shade val="50000"/>
+            </a:schemeClr>
+          </a:lnRef>
+          <a:fillRef idx="1">
+            <a:schemeClr val="accent1"/>
+          </a:fillRef>
+          <a:effectRef idx="0">
+            <a:schemeClr val="accent1"/>
+          </a:effectRef>
+          <a:fontRef idx="minor">
+            <a:schemeClr val="lt1"/>
+          </a:fontRef>
+        </p:style>
+        <p:txBody>
+          <a:bodyPr rtlCol="0" anchor="ctr"/>
+          <a:lstStyle/>
+          <a:p>
+            <a:pPr algn="ctr"/>
+            <a:endParaRPr lang="en-US"/>
+          </a:p>
+        </p:txBody>
+      </p:sp>
+      <p:sp>
+        <p:nvSpPr>
+          <p:cNvPr id="37" name="Oval 36"/>
+          <p:cNvSpPr/>
+          <p:nvPr/>
+        </p:nvSpPr>
+        <p:spPr>
+          <a:xfrm>
+            <a:off x="3865721" y="2707298"/>
+            <a:ext cx="91440" cy="91440"/>
+          </a:xfrm>
+          <a:prstGeom prst="ellipse">
+            <a:avLst/>
+          </a:prstGeom>
+          <a:solidFill>
+            <a:srgbClr val="FF0000"/>
+          </a:solidFill>
+          <a:ln w="9525">
+            <a:solidFill>
+              <a:srgbClr val="0070C0"/>
+            </a:solidFill>
+          </a:ln>
+        </p:spPr>
+        <p:style>
+          <a:lnRef idx="2">
+            <a:schemeClr val="accent1">
+              <a:shade val="50000"/>
+            </a:schemeClr>
+          </a:lnRef>
+          <a:fillRef idx="1">
+            <a:schemeClr val="accent1"/>
+          </a:fillRef>
+          <a:effectRef idx="0">
+            <a:schemeClr val="accent1"/>
+          </a:effectRef>
+          <a:fontRef idx="minor">
+            <a:schemeClr val="lt1"/>
+          </a:fontRef>
+        </p:style>
+        <p:txBody>
+          <a:bodyPr rtlCol="0" anchor="ctr"/>
+          <a:lstStyle/>
+          <a:p>
+            <a:pPr algn="ctr"/>
+            <a:endParaRPr lang="en-US">
+              <a:ln>
+                <a:solidFill>
+                  <a:srgbClr val="FF0000"/>
+                </a:solidFill>
+              </a:ln>
+              <a:solidFill>
+                <a:srgbClr val="FF0000"/>
+              </a:solidFill>
+            </a:endParaRPr>
+          </a:p>
+        </p:txBody>
+      </p:sp>
+      <p:sp>
+        <p:nvSpPr>
+          <p:cNvPr id="43" name="Oval 42"/>
+          <p:cNvSpPr/>
+          <p:nvPr/>
+        </p:nvSpPr>
+        <p:spPr>
+          <a:xfrm>
+            <a:off x="2266950" y="2103282"/>
+            <a:ext cx="91440" cy="91440"/>
+          </a:xfrm>
+          <a:prstGeom prst="ellipse">
+            <a:avLst/>
+          </a:prstGeom>
+          <a:solidFill>
+            <a:srgbClr val="FF0000"/>
+          </a:solidFill>
+          <a:ln w="9525">
+            <a:solidFill>
+              <a:srgbClr val="0070C0"/>
+            </a:solidFill>
+          </a:ln>
+        </p:spPr>
+        <p:style>
+          <a:lnRef idx="2">
+            <a:schemeClr val="accent1">
+              <a:shade val="50000"/>
+            </a:schemeClr>
+          </a:lnRef>
+          <a:fillRef idx="1">
+            <a:schemeClr val="accent1"/>
+          </a:fillRef>
+          <a:effectRef idx="0">
+            <a:schemeClr val="accent1"/>
+          </a:effectRef>
+          <a:fontRef idx="minor">
+            <a:schemeClr val="lt1"/>
+          </a:fontRef>
+        </p:style>
+        <p:txBody>
+          <a:bodyPr rtlCol="0" anchor="ctr"/>
+          <a:lstStyle/>
+          <a:p>
+            <a:pPr algn="ctr"/>
+            <a:endParaRPr lang="en-US">
+              <a:ln>
+                <a:solidFill>
+                  <a:srgbClr val="FF0000"/>
+                </a:solidFill>
+              </a:ln>
+              <a:solidFill>
+                <a:srgbClr val="FF0000"/>
+              </a:solidFill>
+            </a:endParaRPr>
+          </a:p>
+        </p:txBody>
+      </p:sp>
+      <p:sp>
+        <p:nvSpPr>
+          <p:cNvPr id="44" name="Oval 43"/>
+          <p:cNvSpPr/>
+          <p:nvPr/>
+        </p:nvSpPr>
+        <p:spPr>
+          <a:xfrm>
+            <a:off x="1407318" y="2789529"/>
+            <a:ext cx="91440" cy="91440"/>
+          </a:xfrm>
+          <a:prstGeom prst="ellipse">
+            <a:avLst/>
+          </a:prstGeom>
+          <a:solidFill>
+            <a:srgbClr val="FF0000"/>
+          </a:solidFill>
+          <a:ln w="9525">
+            <a:solidFill>
+              <a:srgbClr val="0070C0"/>
+            </a:solidFill>
+          </a:ln>
+        </p:spPr>
+        <p:style>
+          <a:lnRef idx="2">
+            <a:schemeClr val="accent1">
+              <a:shade val="50000"/>
+            </a:schemeClr>
+          </a:lnRef>
+          <a:fillRef idx="1">
+            <a:schemeClr val="accent1"/>
+          </a:fillRef>
+          <a:effectRef idx="0">
+            <a:schemeClr val="accent1"/>
+          </a:effectRef>
+          <a:fontRef idx="minor">
+            <a:schemeClr val="lt1"/>
+          </a:fontRef>
+        </p:style>
+        <p:txBody>
+          <a:bodyPr rtlCol="0" anchor="ctr"/>
+          <a:lstStyle/>
+          <a:p>
+            <a:pPr algn="ctr"/>
+            <a:endParaRPr lang="en-US">
+              <a:ln>
+                <a:solidFill>
+                  <a:srgbClr val="FF0000"/>
+                </a:solidFill>
+              </a:ln>
+              <a:solidFill>
+                <a:srgbClr val="FF0000"/>
+              </a:solidFill>
+            </a:endParaRPr>
+          </a:p>
+        </p:txBody>
+      </p:sp>
+      <p:sp>
+        <p:nvSpPr>
+          <p:cNvPr id="45" name="Oval 44"/>
+          <p:cNvSpPr/>
+          <p:nvPr/>
+        </p:nvSpPr>
+        <p:spPr>
+          <a:xfrm>
+            <a:off x="1840706" y="3505200"/>
+            <a:ext cx="91440" cy="91440"/>
+          </a:xfrm>
+          <a:prstGeom prst="ellipse">
+            <a:avLst/>
+          </a:prstGeom>
+          <a:solidFill>
+            <a:srgbClr val="FF0000"/>
+          </a:solidFill>
+          <a:ln w="9525">
+            <a:solidFill>
+              <a:srgbClr val="0070C0"/>
+            </a:solidFill>
+          </a:ln>
+        </p:spPr>
+        <p:style>
+          <a:lnRef idx="2">
+            <a:schemeClr val="accent1">
+              <a:shade val="50000"/>
+            </a:schemeClr>
+          </a:lnRef>
+          <a:fillRef idx="1">
+            <a:schemeClr val="accent1"/>
+          </a:fillRef>
+          <a:effectRef idx="0">
+            <a:schemeClr val="accent1"/>
+          </a:effectRef>
+          <a:fontRef idx="minor">
+            <a:schemeClr val="lt1"/>
+          </a:fontRef>
+        </p:style>
+        <p:txBody>
+          <a:bodyPr rtlCol="0" anchor="ctr"/>
+          <a:lstStyle/>
+          <a:p>
+            <a:pPr algn="ctr"/>
+            <a:endParaRPr lang="en-US">
+              <a:ln>
+                <a:solidFill>
+                  <a:srgbClr val="FF0000"/>
+                </a:solidFill>
+              </a:ln>
+              <a:solidFill>
+                <a:srgbClr val="FF0000"/>
+              </a:solidFill>
+            </a:endParaRPr>
+          </a:p>
+        </p:txBody>
+      </p:sp>
+      <p:sp>
+        <p:nvSpPr>
+          <p:cNvPr id="46" name="Oval 45"/>
+          <p:cNvSpPr/>
+          <p:nvPr/>
+        </p:nvSpPr>
+        <p:spPr>
+          <a:xfrm>
+            <a:off x="2807494" y="3256188"/>
+            <a:ext cx="91440" cy="91440"/>
+          </a:xfrm>
+          <a:prstGeom prst="ellipse">
+            <a:avLst/>
+          </a:prstGeom>
+          <a:solidFill>
+            <a:srgbClr val="FF0000"/>
+          </a:solidFill>
+          <a:ln w="9525">
+            <a:solidFill>
+              <a:srgbClr val="0070C0"/>
+            </a:solidFill>
+          </a:ln>
+        </p:spPr>
+        <p:style>
+          <a:lnRef idx="2">
+            <a:schemeClr val="accent1">
+              <a:shade val="50000"/>
+            </a:schemeClr>
+          </a:lnRef>
+          <a:fillRef idx="1">
+            <a:schemeClr val="accent1"/>
+          </a:fillRef>
+          <a:effectRef idx="0">
+            <a:schemeClr val="accent1"/>
+          </a:effectRef>
+          <a:fontRef idx="minor">
+            <a:schemeClr val="lt1"/>
+          </a:fontRef>
+        </p:style>
+        <p:txBody>
+          <a:bodyPr rtlCol="0" anchor="ctr"/>
+          <a:lstStyle/>
+          <a:p>
+            <a:pPr algn="ctr"/>
+            <a:endParaRPr lang="en-US">
+              <a:ln>
+                <a:solidFill>
+                  <a:srgbClr val="FF0000"/>
+                </a:solidFill>
+              </a:ln>
+              <a:solidFill>
+                <a:srgbClr val="FF0000"/>
+              </a:solidFill>
+            </a:endParaRPr>
+          </a:p>
+        </p:txBody>
+      </p:sp>
+      <p:sp>
+        <p:nvSpPr>
+          <p:cNvPr id="47" name="Oval 46"/>
+          <p:cNvSpPr/>
+          <p:nvPr/>
+        </p:nvSpPr>
+        <p:spPr>
+          <a:xfrm>
+            <a:off x="2937354" y="3196410"/>
+            <a:ext cx="91440" cy="91440"/>
+          </a:xfrm>
+          <a:prstGeom prst="ellipse">
+            <a:avLst/>
+          </a:prstGeom>
+          <a:solidFill>
+            <a:srgbClr val="FF0000"/>
+          </a:solidFill>
+          <a:ln w="9525">
+            <a:solidFill>
+              <a:srgbClr val="0070C0"/>
+            </a:solidFill>
+          </a:ln>
+        </p:spPr>
+        <p:style>
+          <a:lnRef idx="2">
+            <a:schemeClr val="accent1">
+              <a:shade val="50000"/>
+            </a:schemeClr>
+          </a:lnRef>
+          <a:fillRef idx="1">
+            <a:schemeClr val="accent1"/>
+          </a:fillRef>
+          <a:effectRef idx="0">
+            <a:schemeClr val="accent1"/>
+          </a:effectRef>
+          <a:fontRef idx="minor">
+            <a:schemeClr val="lt1"/>
+          </a:fontRef>
+        </p:style>
+        <p:txBody>
+          <a:bodyPr rtlCol="0" anchor="ctr"/>
+          <a:lstStyle/>
+          <a:p>
+            <a:pPr algn="ctr"/>
+            <a:endParaRPr lang="en-US">
+              <a:ln>
+                <a:solidFill>
+                  <a:srgbClr val="FF0000"/>
+                </a:solidFill>
+              </a:ln>
+              <a:solidFill>
+                <a:srgbClr val="FF0000"/>
+              </a:solidFill>
+            </a:endParaRPr>
+          </a:p>
+        </p:txBody>
+      </p:sp>
+      <p:sp>
+        <p:nvSpPr>
+          <p:cNvPr id="48" name="Oval 47"/>
+          <p:cNvSpPr/>
+          <p:nvPr/>
+        </p:nvSpPr>
+        <p:spPr>
+          <a:xfrm>
+            <a:off x="2103441" y="2148183"/>
+            <a:ext cx="91440" cy="91440"/>
+          </a:xfrm>
+          <a:prstGeom prst="ellipse">
+            <a:avLst/>
+          </a:prstGeom>
+          <a:solidFill>
+            <a:srgbClr val="FF0000"/>
+          </a:solidFill>
+          <a:ln w="9525">
+            <a:solidFill>
+              <a:srgbClr val="0070C0"/>
+            </a:solidFill>
+          </a:ln>
+        </p:spPr>
+        <p:style>
+          <a:lnRef idx="2">
+            <a:schemeClr val="accent1">
+              <a:shade val="50000"/>
+            </a:schemeClr>
+          </a:lnRef>
+          <a:fillRef idx="1">
+            <a:schemeClr val="accent1"/>
+          </a:fillRef>
+          <a:effectRef idx="0">
+            <a:schemeClr val="accent1"/>
+          </a:effectRef>
+          <a:fontRef idx="minor">
+            <a:schemeClr val="lt1"/>
+          </a:fontRef>
+        </p:style>
+        <p:txBody>
+          <a:bodyPr rtlCol="0" anchor="ctr"/>
+          <a:lstStyle/>
+          <a:p>
+            <a:pPr algn="ctr"/>
+            <a:endParaRPr lang="en-US">
+              <a:ln>
+                <a:solidFill>
+                  <a:srgbClr val="FF0000"/>
+                </a:solidFill>
+              </a:ln>
+              <a:solidFill>
+                <a:srgbClr val="FF0000"/>
+              </a:solidFill>
+            </a:endParaRPr>
+          </a:p>
+        </p:txBody>
+      </p:sp>
+      <p:sp>
+        <p:nvSpPr>
+          <p:cNvPr id="65" name="Oval 64"/>
+          <p:cNvSpPr/>
+          <p:nvPr/>
+        </p:nvSpPr>
+        <p:spPr>
+          <a:xfrm>
+            <a:off x="6635590" y="2135160"/>
+            <a:ext cx="91440" cy="91440"/>
+          </a:xfrm>
+          <a:prstGeom prst="ellipse">
+            <a:avLst/>
+          </a:prstGeom>
+          <a:solidFill>
+            <a:srgbClr val="FF0000"/>
+          </a:solidFill>
+          <a:ln w="9525">
+            <a:solidFill>
+              <a:srgbClr val="0070C0"/>
+            </a:solidFill>
+          </a:ln>
+        </p:spPr>
+        <p:style>
+          <a:lnRef idx="2">
+            <a:schemeClr val="accent1">
+              <a:shade val="50000"/>
+            </a:schemeClr>
+          </a:lnRef>
+          <a:fillRef idx="1">
+            <a:schemeClr val="accent1"/>
+          </a:fillRef>
+          <a:effectRef idx="0">
+            <a:schemeClr val="accent1"/>
+          </a:effectRef>
+          <a:fontRef idx="minor">
+            <a:schemeClr val="lt1"/>
+          </a:fontRef>
+        </p:style>
+        <p:txBody>
+          <a:bodyPr rtlCol="0" anchor="ctr"/>
+          <a:lstStyle/>
+          <a:p>
+            <a:pPr algn="ctr"/>
+            <a:endParaRPr lang="en-US">
+              <a:ln>
+                <a:solidFill>
+                  <a:srgbClr val="FF0000"/>
+                </a:solidFill>
+              </a:ln>
+              <a:solidFill>
+                <a:srgbClr val="FF0000"/>
+              </a:solidFill>
+            </a:endParaRPr>
+          </a:p>
+        </p:txBody>
+      </p:sp>
+      <p:sp>
+        <p:nvSpPr>
+          <p:cNvPr id="66" name="Oval 65"/>
+          <p:cNvSpPr/>
+          <p:nvPr/>
+        </p:nvSpPr>
+        <p:spPr>
+          <a:xfrm>
+            <a:off x="7018972" y="2706660"/>
+            <a:ext cx="91440" cy="91440"/>
+          </a:xfrm>
+          <a:prstGeom prst="ellipse">
+            <a:avLst/>
+          </a:prstGeom>
+          <a:solidFill>
+            <a:srgbClr val="FF0000"/>
+          </a:solidFill>
+          <a:ln w="9525">
+            <a:solidFill>
+              <a:srgbClr val="0070C0"/>
+            </a:solidFill>
+          </a:ln>
+        </p:spPr>
+        <p:style>
+          <a:lnRef idx="2">
+            <a:schemeClr val="accent1">
+              <a:shade val="50000"/>
+            </a:schemeClr>
+          </a:lnRef>
+          <a:fillRef idx="1">
+            <a:schemeClr val="accent1"/>
+          </a:fillRef>
+          <a:effectRef idx="0">
+            <a:schemeClr val="accent1"/>
+          </a:effectRef>
+          <a:fontRef idx="minor">
+            <a:schemeClr val="lt1"/>
+          </a:fontRef>
+        </p:style>
+        <p:txBody>
+          <a:bodyPr rtlCol="0" anchor="ctr"/>
+          <a:lstStyle/>
+          <a:p>
+            <a:pPr algn="ctr"/>
+            <a:endParaRPr lang="en-US">
+              <a:ln>
+                <a:solidFill>
+                  <a:srgbClr val="FF0000"/>
+                </a:solidFill>
+              </a:ln>
+              <a:solidFill>
+                <a:srgbClr val="FF0000"/>
+              </a:solidFill>
+            </a:endParaRPr>
+          </a:p>
+        </p:txBody>
+      </p:sp>
+      <p:sp>
+        <p:nvSpPr>
+          <p:cNvPr id="67" name="Oval 66"/>
+          <p:cNvSpPr/>
+          <p:nvPr/>
+        </p:nvSpPr>
+        <p:spPr>
+          <a:xfrm>
+            <a:off x="5420201" y="2102644"/>
+            <a:ext cx="91440" cy="91440"/>
+          </a:xfrm>
+          <a:prstGeom prst="ellipse">
+            <a:avLst/>
+          </a:prstGeom>
+          <a:solidFill>
+            <a:srgbClr val="FF0000"/>
+          </a:solidFill>
+          <a:ln w="9525">
+            <a:solidFill>
+              <a:srgbClr val="0070C0"/>
+            </a:solidFill>
+          </a:ln>
+        </p:spPr>
+        <p:style>
+          <a:lnRef idx="2">
+            <a:schemeClr val="accent1">
+              <a:shade val="50000"/>
+            </a:schemeClr>
+          </a:lnRef>
+          <a:fillRef idx="1">
+            <a:schemeClr val="accent1"/>
+          </a:fillRef>
+          <a:effectRef idx="0">
+            <a:schemeClr val="accent1"/>
+          </a:effectRef>
+          <a:fontRef idx="minor">
+            <a:schemeClr val="lt1"/>
+          </a:fontRef>
+        </p:style>
+        <p:txBody>
+          <a:bodyPr rtlCol="0" anchor="ctr"/>
+          <a:lstStyle/>
+          <a:p>
+            <a:pPr algn="ctr"/>
+            <a:endParaRPr lang="en-US">
+              <a:ln>
+                <a:solidFill>
+                  <a:srgbClr val="FF0000"/>
+                </a:solidFill>
+              </a:ln>
+              <a:solidFill>
+                <a:srgbClr val="FF0000"/>
+              </a:solidFill>
+            </a:endParaRPr>
+          </a:p>
+        </p:txBody>
+      </p:sp>
+      <p:sp>
+        <p:nvSpPr>
+          <p:cNvPr id="68" name="Oval 67"/>
+          <p:cNvSpPr/>
+          <p:nvPr/>
+        </p:nvSpPr>
+        <p:spPr>
+          <a:xfrm>
+            <a:off x="4560569" y="2788891"/>
+            <a:ext cx="91440" cy="91440"/>
+          </a:xfrm>
+          <a:prstGeom prst="ellipse">
+            <a:avLst/>
+          </a:prstGeom>
+          <a:solidFill>
+            <a:srgbClr val="FF0000"/>
+          </a:solidFill>
+          <a:ln w="9525">
+            <a:solidFill>
+              <a:srgbClr val="0070C0"/>
+            </a:solidFill>
+          </a:ln>
+        </p:spPr>
+        <p:style>
+          <a:lnRef idx="2">
+            <a:schemeClr val="accent1">
+              <a:shade val="50000"/>
+            </a:schemeClr>
+          </a:lnRef>
+          <a:fillRef idx="1">
+            <a:schemeClr val="accent1"/>
+          </a:fillRef>
+          <a:effectRef idx="0">
+            <a:schemeClr val="accent1"/>
+          </a:effectRef>
+          <a:fontRef idx="minor">
+            <a:schemeClr val="lt1"/>
+          </a:fontRef>
+        </p:style>
+        <p:txBody>
+          <a:bodyPr rtlCol="0" anchor="ctr"/>
+          <a:lstStyle/>
+          <a:p>
+            <a:pPr algn="ctr"/>
+            <a:endParaRPr lang="en-US">
+              <a:ln>
+                <a:solidFill>
+                  <a:srgbClr val="FF0000"/>
+                </a:solidFill>
+              </a:ln>
+              <a:solidFill>
+                <a:srgbClr val="FF0000"/>
+              </a:solidFill>
+            </a:endParaRPr>
+          </a:p>
+        </p:txBody>
+      </p:sp>
+      <p:sp>
+        <p:nvSpPr>
+          <p:cNvPr id="69" name="Oval 68"/>
+          <p:cNvSpPr/>
+          <p:nvPr/>
+        </p:nvSpPr>
+        <p:spPr>
+          <a:xfrm>
+            <a:off x="4993957" y="3504562"/>
+            <a:ext cx="91440" cy="91440"/>
+          </a:xfrm>
+          <a:prstGeom prst="ellipse">
+            <a:avLst/>
+          </a:prstGeom>
+          <a:solidFill>
+            <a:srgbClr val="FF0000"/>
+          </a:solidFill>
+          <a:ln w="9525">
+            <a:solidFill>
+              <a:srgbClr val="0070C0"/>
+            </a:solidFill>
+          </a:ln>
+        </p:spPr>
+        <p:style>
+          <a:lnRef idx="2">
+            <a:schemeClr val="accent1">
+              <a:shade val="50000"/>
+            </a:schemeClr>
+          </a:lnRef>
+          <a:fillRef idx="1">
+            <a:schemeClr val="accent1"/>
+          </a:fillRef>
+          <a:effectRef idx="0">
+            <a:schemeClr val="accent1"/>
+          </a:effectRef>
+          <a:fontRef idx="minor">
+            <a:schemeClr val="lt1"/>
+          </a:fontRef>
+        </p:style>
+        <p:txBody>
+          <a:bodyPr rtlCol="0" anchor="ctr"/>
+          <a:lstStyle/>
+          <a:p>
+            <a:pPr algn="ctr"/>
+            <a:endParaRPr lang="en-US">
+              <a:ln>
+                <a:solidFill>
+                  <a:srgbClr val="FF0000"/>
+                </a:solidFill>
+              </a:ln>
+              <a:solidFill>
+                <a:srgbClr val="FF0000"/>
+              </a:solidFill>
+            </a:endParaRPr>
+          </a:p>
+        </p:txBody>
+      </p:sp>
+      <p:sp>
+        <p:nvSpPr>
+          <p:cNvPr id="70" name="Oval 69"/>
+          <p:cNvSpPr/>
+          <p:nvPr/>
+        </p:nvSpPr>
+        <p:spPr>
+          <a:xfrm>
+            <a:off x="5960745" y="3255550"/>
+            <a:ext cx="91440" cy="91440"/>
+          </a:xfrm>
+          <a:prstGeom prst="ellipse">
+            <a:avLst/>
+          </a:prstGeom>
+          <a:solidFill>
+            <a:srgbClr val="FF0000"/>
+          </a:solidFill>
+          <a:ln w="9525">
+            <a:solidFill>
+              <a:srgbClr val="0070C0"/>
+            </a:solidFill>
+          </a:ln>
+        </p:spPr>
+        <p:style>
+          <a:lnRef idx="2">
+            <a:schemeClr val="accent1">
+              <a:shade val="50000"/>
+            </a:schemeClr>
+          </a:lnRef>
+          <a:fillRef idx="1">
+            <a:schemeClr val="accent1"/>
+          </a:fillRef>
+          <a:effectRef idx="0">
+            <a:schemeClr val="accent1"/>
+          </a:effectRef>
+          <a:fontRef idx="minor">
+            <a:schemeClr val="lt1"/>
+          </a:fontRef>
+        </p:style>
+        <p:txBody>
+          <a:bodyPr rtlCol="0" anchor="ctr"/>
+          <a:lstStyle/>
+          <a:p>
+            <a:pPr algn="ctr"/>
+            <a:endParaRPr lang="en-US">
+              <a:ln>
+                <a:solidFill>
+                  <a:srgbClr val="FF0000"/>
+                </a:solidFill>
+              </a:ln>
+              <a:solidFill>
+                <a:srgbClr val="FF0000"/>
+              </a:solidFill>
+            </a:endParaRPr>
+          </a:p>
+        </p:txBody>
+      </p:sp>
+      <p:sp>
+        <p:nvSpPr>
+          <p:cNvPr id="71" name="Oval 70"/>
+          <p:cNvSpPr/>
+          <p:nvPr/>
+        </p:nvSpPr>
+        <p:spPr>
+          <a:xfrm>
+            <a:off x="6090605" y="3195772"/>
+            <a:ext cx="91440" cy="91440"/>
+          </a:xfrm>
+          <a:prstGeom prst="ellipse">
+            <a:avLst/>
+          </a:prstGeom>
+          <a:solidFill>
+            <a:srgbClr val="FF0000"/>
+          </a:solidFill>
+          <a:ln w="9525">
+            <a:solidFill>
+              <a:srgbClr val="0070C0"/>
+            </a:solidFill>
+          </a:ln>
+        </p:spPr>
+        <p:style>
+          <a:lnRef idx="2">
+            <a:schemeClr val="accent1">
+              <a:shade val="50000"/>
+            </a:schemeClr>
+          </a:lnRef>
+          <a:fillRef idx="1">
+            <a:schemeClr val="accent1"/>
+          </a:fillRef>
+          <a:effectRef idx="0">
+            <a:schemeClr val="accent1"/>
+          </a:effectRef>
+          <a:fontRef idx="minor">
+            <a:schemeClr val="lt1"/>
+          </a:fontRef>
+        </p:style>
+        <p:txBody>
+          <a:bodyPr rtlCol="0" anchor="ctr"/>
+          <a:lstStyle/>
+          <a:p>
+            <a:pPr algn="ctr"/>
+            <a:endParaRPr lang="en-US">
+              <a:ln>
+                <a:solidFill>
+                  <a:srgbClr val="FF0000"/>
+                </a:solidFill>
+              </a:ln>
+              <a:solidFill>
+                <a:srgbClr val="FF0000"/>
+              </a:solidFill>
+            </a:endParaRPr>
+          </a:p>
+        </p:txBody>
+      </p:sp>
+      <p:sp>
+        <p:nvSpPr>
+          <p:cNvPr id="72" name="Oval 71"/>
+          <p:cNvSpPr/>
+          <p:nvPr/>
+        </p:nvSpPr>
+        <p:spPr>
+          <a:xfrm>
+            <a:off x="5256692" y="2147545"/>
+            <a:ext cx="91440" cy="91440"/>
+          </a:xfrm>
+          <a:prstGeom prst="ellipse">
+            <a:avLst/>
+          </a:prstGeom>
+          <a:solidFill>
+            <a:srgbClr val="FF0000"/>
+          </a:solidFill>
+          <a:ln w="9525">
+            <a:solidFill>
+              <a:srgbClr val="0070C0"/>
+            </a:solidFill>
+          </a:ln>
+        </p:spPr>
+        <p:style>
+          <a:lnRef idx="2">
+            <a:schemeClr val="accent1">
+              <a:shade val="50000"/>
+            </a:schemeClr>
+          </a:lnRef>
+          <a:fillRef idx="1">
+            <a:schemeClr val="accent1"/>
+          </a:fillRef>
+          <a:effectRef idx="0">
+            <a:schemeClr val="accent1"/>
+          </a:effectRef>
+          <a:fontRef idx="minor">
+            <a:schemeClr val="lt1"/>
+          </a:fontRef>
+        </p:style>
+        <p:txBody>
+          <a:bodyPr rtlCol="0" anchor="ctr"/>
+          <a:lstStyle/>
+          <a:p>
+            <a:pPr algn="ctr"/>
+            <a:endParaRPr lang="en-US">
+              <a:ln>
+                <a:solidFill>
+                  <a:srgbClr val="FF0000"/>
+                </a:solidFill>
+              </a:ln>
+              <a:solidFill>
+                <a:srgbClr val="FF0000"/>
+              </a:solidFill>
+            </a:endParaRPr>
+          </a:p>
+        </p:txBody>
+      </p:sp>
+      <p:cxnSp>
+        <p:nvCxnSpPr>
+          <p:cNvPr id="73" name="Straight Connector 72"/>
+          <p:cNvCxnSpPr/>
+          <p:nvPr/>
+        </p:nvCxnSpPr>
+        <p:spPr>
+          <a:xfrm flipV="1">
+            <a:off x="5723140" y="2396811"/>
+            <a:ext cx="1207294" cy="306516"/>
+          </a:xfrm>
+          <a:prstGeom prst="line">
+            <a:avLst/>
+          </a:prstGeom>
+          <a:ln w="28575">
+            <a:solidFill>
+              <a:schemeClr val="accent1">
+                <a:lumMod val="75000"/>
+              </a:schemeClr>
+            </a:solidFill>
+          </a:ln>
+        </p:spPr>
+        <p:style>
+          <a:lnRef idx="1">
+            <a:schemeClr val="accent1"/>
+          </a:lnRef>
+          <a:fillRef idx="0">
+            <a:schemeClr val="accent1"/>
+          </a:fillRef>
+          <a:effectRef idx="0">
+            <a:schemeClr val="accent1"/>
+          </a:effectRef>
+          <a:fontRef idx="minor">
+            <a:schemeClr val="tx1"/>
+          </a:fontRef>
+        </p:style>
+      </p:cxnSp>
+      <p:cxnSp>
+        <p:nvCxnSpPr>
+          <p:cNvPr id="74" name="Straight Connector 73"/>
+          <p:cNvCxnSpPr/>
+          <p:nvPr/>
+        </p:nvCxnSpPr>
+        <p:spPr>
+          <a:xfrm>
+            <a:off x="6027940" y="2084867"/>
+            <a:ext cx="702469" cy="935831"/>
+          </a:xfrm>
+          <a:prstGeom prst="line">
+            <a:avLst/>
+          </a:prstGeom>
+          <a:ln w="28575">
+            <a:solidFill>
+              <a:schemeClr val="accent1">
+                <a:lumMod val="75000"/>
+              </a:schemeClr>
+            </a:solidFill>
+          </a:ln>
+        </p:spPr>
+        <p:style>
+          <a:lnRef idx="1">
+            <a:schemeClr val="accent1"/>
+          </a:lnRef>
+          <a:fillRef idx="0">
+            <a:schemeClr val="accent1"/>
+          </a:fillRef>
+          <a:effectRef idx="0">
+            <a:schemeClr val="accent1"/>
+          </a:effectRef>
+          <a:fontRef idx="minor">
+            <a:schemeClr val="tx1"/>
+          </a:fontRef>
+        </p:style>
+      </p:cxnSp>
+      <p:sp>
+        <p:nvSpPr>
+          <p:cNvPr id="75" name="Oval 74"/>
+          <p:cNvSpPr/>
+          <p:nvPr/>
+        </p:nvSpPr>
+        <p:spPr>
+          <a:xfrm>
+            <a:off x="6199667" y="2447925"/>
+            <a:ext cx="91440" cy="91440"/>
+          </a:xfrm>
+          <a:prstGeom prst="ellipse">
+            <a:avLst/>
+          </a:prstGeom>
+          <a:solidFill>
+            <a:srgbClr val="FF0000"/>
+          </a:solidFill>
+          <a:ln w="9525">
+            <a:solidFill>
+              <a:srgbClr val="0070C0"/>
+            </a:solidFill>
+          </a:ln>
+        </p:spPr>
+        <p:style>
+          <a:lnRef idx="2">
+            <a:schemeClr val="accent1">
+              <a:shade val="50000"/>
+            </a:schemeClr>
+          </a:lnRef>
+          <a:fillRef idx="1">
+            <a:schemeClr val="accent1"/>
+          </a:fillRef>
+          <a:effectRef idx="0">
+            <a:schemeClr val="accent1"/>
+          </a:effectRef>
+          <a:fontRef idx="minor">
+            <a:schemeClr val="lt1"/>
+          </a:fontRef>
+        </p:style>
+        <p:txBody>
+          <a:bodyPr rtlCol="0" anchor="ctr"/>
+          <a:lstStyle/>
+          <a:p>
+            <a:pPr algn="ctr"/>
+            <a:endParaRPr lang="en-US">
+              <a:ln>
+                <a:solidFill>
+                  <a:srgbClr val="FF0000"/>
+                </a:solidFill>
+              </a:ln>
+              <a:solidFill>
+                <a:srgbClr val="FF0000"/>
+              </a:solidFill>
+            </a:endParaRPr>
+          </a:p>
+        </p:txBody>
+      </p:sp>
+      <p:sp>
+        <p:nvSpPr>
+          <p:cNvPr id="76" name="Oval 75"/>
+          <p:cNvSpPr/>
+          <p:nvPr/>
+        </p:nvSpPr>
+        <p:spPr>
+          <a:xfrm>
+            <a:off x="6292535" y="2581275"/>
+            <a:ext cx="91440" cy="91440"/>
+          </a:xfrm>
+          <a:prstGeom prst="ellipse">
+            <a:avLst/>
+          </a:prstGeom>
+          <a:solidFill>
+            <a:srgbClr val="FF0000"/>
+          </a:solidFill>
+          <a:ln w="9525">
+            <a:solidFill>
+              <a:srgbClr val="0070C0"/>
+            </a:solidFill>
+          </a:ln>
+        </p:spPr>
+        <p:style>
+          <a:lnRef idx="2">
+            <a:schemeClr val="accent1">
+              <a:shade val="50000"/>
+            </a:schemeClr>
+          </a:lnRef>
+          <a:fillRef idx="1">
+            <a:schemeClr val="accent1"/>
+          </a:fillRef>
+          <a:effectRef idx="0">
+            <a:schemeClr val="accent1"/>
+          </a:effectRef>
+          <a:fontRef idx="minor">
+            <a:schemeClr val="lt1"/>
+          </a:fontRef>
+        </p:style>
+        <p:txBody>
+          <a:bodyPr rtlCol="0" anchor="ctr"/>
+          <a:lstStyle/>
+          <a:p>
+            <a:pPr algn="ctr"/>
+            <a:endParaRPr lang="en-US">
+              <a:ln>
+                <a:solidFill>
+                  <a:srgbClr val="FF0000"/>
+                </a:solidFill>
+              </a:ln>
+              <a:solidFill>
+                <a:srgbClr val="FF0000"/>
+              </a:solidFill>
+            </a:endParaRPr>
+          </a:p>
+        </p:txBody>
+      </p:sp>
+      <p:sp>
+        <p:nvSpPr>
+          <p:cNvPr id="77" name="Oval 76"/>
+          <p:cNvSpPr/>
+          <p:nvPr/>
+        </p:nvSpPr>
+        <p:spPr>
+          <a:xfrm>
+            <a:off x="6349967" y="2405033"/>
+            <a:ext cx="91440" cy="91440"/>
+          </a:xfrm>
+          <a:prstGeom prst="ellipse">
+            <a:avLst/>
+          </a:prstGeom>
+          <a:solidFill>
+            <a:srgbClr val="FF0000"/>
+          </a:solidFill>
+          <a:ln w="9525">
+            <a:solidFill>
+              <a:srgbClr val="0070C0"/>
+            </a:solidFill>
+          </a:ln>
+        </p:spPr>
+        <p:style>
+          <a:lnRef idx="2">
+            <a:schemeClr val="accent1">
+              <a:shade val="50000"/>
+            </a:schemeClr>
+          </a:lnRef>
+          <a:fillRef idx="1">
+            <a:schemeClr val="accent1"/>
+          </a:fillRef>
+          <a:effectRef idx="0">
+            <a:schemeClr val="accent1"/>
+          </a:effectRef>
+          <a:fontRef idx="minor">
+            <a:schemeClr val="lt1"/>
+          </a:fontRef>
+        </p:style>
+        <p:txBody>
+          <a:bodyPr rtlCol="0" anchor="ctr"/>
+          <a:lstStyle/>
+          <a:p>
+            <a:pPr algn="ctr"/>
+            <a:endParaRPr lang="en-US">
+              <a:ln>
+                <a:solidFill>
+                  <a:srgbClr val="FF0000"/>
+                </a:solidFill>
+              </a:ln>
+              <a:solidFill>
+                <a:srgbClr val="FF0000"/>
+              </a:solidFill>
+            </a:endParaRPr>
+          </a:p>
+        </p:txBody>
+      </p:sp>
+      <p:sp>
+        <p:nvSpPr>
+          <p:cNvPr id="78" name="Oval 77"/>
+          <p:cNvSpPr/>
+          <p:nvPr/>
+        </p:nvSpPr>
+        <p:spPr>
+          <a:xfrm>
+            <a:off x="6448550" y="2538067"/>
+            <a:ext cx="91440" cy="91440"/>
+          </a:xfrm>
+          <a:prstGeom prst="ellipse">
+            <a:avLst/>
+          </a:prstGeom>
+          <a:solidFill>
+            <a:srgbClr val="FF0000"/>
+          </a:solidFill>
+          <a:ln w="9525">
+            <a:solidFill>
+              <a:srgbClr val="0070C0"/>
+            </a:solidFill>
+          </a:ln>
+        </p:spPr>
+        <p:style>
+          <a:lnRef idx="2">
+            <a:schemeClr val="accent1">
+              <a:shade val="50000"/>
+            </a:schemeClr>
+          </a:lnRef>
+          <a:fillRef idx="1">
+            <a:schemeClr val="accent1"/>
+          </a:fillRef>
+          <a:effectRef idx="0">
+            <a:schemeClr val="accent1"/>
+          </a:effectRef>
+          <a:fontRef idx="minor">
+            <a:schemeClr val="lt1"/>
+          </a:fontRef>
+        </p:style>
+        <p:txBody>
+          <a:bodyPr rtlCol="0" anchor="ctr"/>
+          <a:lstStyle/>
+          <a:p>
+            <a:pPr algn="ctr"/>
+            <a:endParaRPr lang="en-US">
+              <a:ln>
+                <a:solidFill>
+                  <a:srgbClr val="FF0000"/>
+                </a:solidFill>
+              </a:ln>
+              <a:solidFill>
+                <a:srgbClr val="FF0000"/>
+              </a:solidFill>
+            </a:endParaRPr>
+          </a:p>
+        </p:txBody>
+      </p:sp>
+      <p:sp>
+        <p:nvSpPr>
+          <p:cNvPr id="79" name="Oval 78"/>
+          <p:cNvSpPr/>
+          <p:nvPr/>
+        </p:nvSpPr>
+        <p:spPr>
+          <a:xfrm>
+            <a:off x="6124738" y="2111826"/>
+            <a:ext cx="91440" cy="91440"/>
+          </a:xfrm>
+          <a:prstGeom prst="ellipse">
+            <a:avLst/>
+          </a:prstGeom>
+          <a:solidFill>
+            <a:srgbClr val="FF0000"/>
+          </a:solidFill>
+          <a:ln w="9525">
+            <a:solidFill>
+              <a:srgbClr val="0070C0"/>
+            </a:solidFill>
+          </a:ln>
+        </p:spPr>
+        <p:style>
+          <a:lnRef idx="2">
+            <a:schemeClr val="accent1">
+              <a:shade val="50000"/>
+            </a:schemeClr>
+          </a:lnRef>
+          <a:fillRef idx="1">
+            <a:schemeClr val="accent1"/>
+          </a:fillRef>
+          <a:effectRef idx="0">
+            <a:schemeClr val="accent1"/>
+          </a:effectRef>
+          <a:fontRef idx="minor">
+            <a:schemeClr val="lt1"/>
+          </a:fontRef>
+        </p:style>
+        <p:txBody>
+          <a:bodyPr rtlCol="0" anchor="ctr"/>
+          <a:lstStyle/>
+          <a:p>
+            <a:pPr algn="ctr"/>
+            <a:endParaRPr lang="en-US">
+              <a:ln>
+                <a:solidFill>
+                  <a:srgbClr val="FF0000"/>
+                </a:solidFill>
+              </a:ln>
+              <a:solidFill>
+                <a:srgbClr val="FF0000"/>
+              </a:solidFill>
+            </a:endParaRPr>
+          </a:p>
+        </p:txBody>
+      </p:sp>
+      <p:sp>
+        <p:nvSpPr>
+          <p:cNvPr id="80" name="Oval 79"/>
+          <p:cNvSpPr/>
+          <p:nvPr/>
+        </p:nvSpPr>
+        <p:spPr>
+          <a:xfrm>
+            <a:off x="6838994" y="2438400"/>
+            <a:ext cx="91440" cy="91440"/>
+          </a:xfrm>
+          <a:prstGeom prst="ellipse">
+            <a:avLst/>
+          </a:prstGeom>
+          <a:solidFill>
+            <a:srgbClr val="FF0000"/>
+          </a:solidFill>
+          <a:ln w="9525">
+            <a:solidFill>
+              <a:srgbClr val="0070C0"/>
+            </a:solidFill>
+          </a:ln>
+        </p:spPr>
+        <p:style>
+          <a:lnRef idx="2">
+            <a:schemeClr val="accent1">
+              <a:shade val="50000"/>
+            </a:schemeClr>
+          </a:lnRef>
+          <a:fillRef idx="1">
+            <a:schemeClr val="accent1"/>
+          </a:fillRef>
+          <a:effectRef idx="0">
+            <a:schemeClr val="accent1"/>
+          </a:effectRef>
+          <a:fontRef idx="minor">
+            <a:schemeClr val="lt1"/>
+          </a:fontRef>
+        </p:style>
+        <p:txBody>
+          <a:bodyPr rtlCol="0" anchor="ctr"/>
+          <a:lstStyle/>
+          <a:p>
+            <a:pPr algn="ctr"/>
+            <a:endParaRPr lang="en-US">
+              <a:ln>
+                <a:solidFill>
+                  <a:srgbClr val="FF0000"/>
+                </a:solidFill>
+              </a:ln>
+              <a:solidFill>
+                <a:srgbClr val="FF0000"/>
+              </a:solidFill>
+            </a:endParaRPr>
+          </a:p>
+        </p:txBody>
+      </p:sp>
+      <p:sp>
+        <p:nvSpPr>
+          <p:cNvPr id="81" name="Oval 80"/>
+          <p:cNvSpPr/>
+          <p:nvPr/>
+        </p:nvSpPr>
+        <p:spPr>
+          <a:xfrm>
+            <a:off x="6703218" y="2873825"/>
+            <a:ext cx="91440" cy="91440"/>
+          </a:xfrm>
+          <a:prstGeom prst="ellipse">
+            <a:avLst/>
+          </a:prstGeom>
+          <a:solidFill>
+            <a:srgbClr val="FF0000"/>
+          </a:solidFill>
+          <a:ln w="9525">
+            <a:solidFill>
+              <a:srgbClr val="0070C0"/>
+            </a:solidFill>
+          </a:ln>
+        </p:spPr>
+        <p:style>
+          <a:lnRef idx="2">
+            <a:schemeClr val="accent1">
+              <a:shade val="50000"/>
+            </a:schemeClr>
+          </a:lnRef>
+          <a:fillRef idx="1">
+            <a:schemeClr val="accent1"/>
+          </a:fillRef>
+          <a:effectRef idx="0">
+            <a:schemeClr val="accent1"/>
+          </a:effectRef>
+          <a:fontRef idx="minor">
+            <a:schemeClr val="lt1"/>
+          </a:fontRef>
+        </p:style>
+        <p:txBody>
+          <a:bodyPr rtlCol="0" anchor="ctr"/>
+          <a:lstStyle/>
+          <a:p>
+            <a:pPr algn="ctr"/>
+            <a:endParaRPr lang="en-US">
+              <a:ln>
+                <a:solidFill>
+                  <a:srgbClr val="FF0000"/>
+                </a:solidFill>
+              </a:ln>
+              <a:solidFill>
+                <a:srgbClr val="FF0000"/>
+              </a:solidFill>
+            </a:endParaRPr>
+          </a:p>
+        </p:txBody>
+      </p:sp>
+      <p:sp>
+        <p:nvSpPr>
+          <p:cNvPr id="82" name="Oval 81"/>
+          <p:cNvSpPr/>
+          <p:nvPr/>
+        </p:nvSpPr>
+        <p:spPr>
+          <a:xfrm>
+            <a:off x="6566184" y="2943834"/>
+            <a:ext cx="91440" cy="91440"/>
+          </a:xfrm>
+          <a:prstGeom prst="ellipse">
+            <a:avLst/>
+          </a:prstGeom>
+          <a:solidFill>
+            <a:srgbClr val="FF0000"/>
+          </a:solidFill>
+          <a:ln w="9525">
+            <a:solidFill>
+              <a:srgbClr val="0070C0"/>
+            </a:solidFill>
+          </a:ln>
+        </p:spPr>
+        <p:style>
+          <a:lnRef idx="2">
+            <a:schemeClr val="accent1">
+              <a:shade val="50000"/>
+            </a:schemeClr>
+          </a:lnRef>
+          <a:fillRef idx="1">
+            <a:schemeClr val="accent1"/>
+          </a:fillRef>
+          <a:effectRef idx="0">
+            <a:schemeClr val="accent1"/>
+          </a:effectRef>
+          <a:fontRef idx="minor">
+            <a:schemeClr val="lt1"/>
+          </a:fontRef>
+        </p:style>
+        <p:txBody>
+          <a:bodyPr rtlCol="0" anchor="ctr"/>
+          <a:lstStyle/>
+          <a:p>
+            <a:pPr algn="ctr"/>
+            <a:endParaRPr lang="en-US">
+              <a:ln>
+                <a:solidFill>
+                  <a:srgbClr val="FF0000"/>
+                </a:solidFill>
+              </a:ln>
+              <a:solidFill>
+                <a:srgbClr val="FF0000"/>
+              </a:solidFill>
+            </a:endParaRPr>
+          </a:p>
+        </p:txBody>
+      </p:sp>
+      <p:sp>
+        <p:nvSpPr>
+          <p:cNvPr id="83" name="Oval 82"/>
+          <p:cNvSpPr/>
+          <p:nvPr/>
+        </p:nvSpPr>
+        <p:spPr>
+          <a:xfrm>
+            <a:off x="5790790" y="2710626"/>
+            <a:ext cx="91440" cy="91440"/>
+          </a:xfrm>
+          <a:prstGeom prst="ellipse">
+            <a:avLst/>
+          </a:prstGeom>
+          <a:solidFill>
+            <a:srgbClr val="FF0000"/>
+          </a:solidFill>
+          <a:ln w="9525">
+            <a:solidFill>
+              <a:srgbClr val="0070C0"/>
+            </a:solidFill>
+          </a:ln>
+        </p:spPr>
+        <p:style>
+          <a:lnRef idx="2">
+            <a:schemeClr val="accent1">
+              <a:shade val="50000"/>
+            </a:schemeClr>
+          </a:lnRef>
+          <a:fillRef idx="1">
+            <a:schemeClr val="accent1"/>
+          </a:fillRef>
+          <a:effectRef idx="0">
+            <a:schemeClr val="accent1"/>
+          </a:effectRef>
+          <a:fontRef idx="minor">
+            <a:schemeClr val="lt1"/>
+          </a:fontRef>
+        </p:style>
+        <p:txBody>
+          <a:bodyPr rtlCol="0" anchor="ctr"/>
+          <a:lstStyle/>
+          <a:p>
+            <a:pPr algn="ctr"/>
+            <a:endParaRPr lang="en-US">
+              <a:ln>
+                <a:solidFill>
+                  <a:srgbClr val="FF0000"/>
+                </a:solidFill>
+              </a:ln>
+              <a:solidFill>
+                <a:srgbClr val="FF0000"/>
+              </a:solidFill>
+            </a:endParaRPr>
+          </a:p>
+        </p:txBody>
+      </p:sp>
+      <p:sp>
+        <p:nvSpPr>
+          <p:cNvPr id="84" name="Oval 83"/>
+          <p:cNvSpPr/>
+          <p:nvPr/>
+        </p:nvSpPr>
+        <p:spPr>
+          <a:xfrm>
+            <a:off x="5703457" y="2574213"/>
+            <a:ext cx="91440" cy="91440"/>
+          </a:xfrm>
+          <a:prstGeom prst="ellipse">
+            <a:avLst/>
+          </a:prstGeom>
+          <a:solidFill>
+            <a:srgbClr val="FF0000"/>
+          </a:solidFill>
+          <a:ln w="9525">
+            <a:solidFill>
+              <a:srgbClr val="0070C0"/>
+            </a:solidFill>
+          </a:ln>
+        </p:spPr>
+        <p:style>
+          <a:lnRef idx="2">
+            <a:schemeClr val="accent1">
+              <a:shade val="50000"/>
+            </a:schemeClr>
+          </a:lnRef>
+          <a:fillRef idx="1">
+            <a:schemeClr val="accent1"/>
+          </a:fillRef>
+          <a:effectRef idx="0">
+            <a:schemeClr val="accent1"/>
+          </a:effectRef>
+          <a:fontRef idx="minor">
+            <a:schemeClr val="lt1"/>
+          </a:fontRef>
+        </p:style>
+        <p:txBody>
+          <a:bodyPr rtlCol="0" anchor="ctr"/>
+          <a:lstStyle/>
+          <a:p>
+            <a:pPr algn="ctr"/>
+            <a:endParaRPr lang="en-US">
+              <a:ln>
+                <a:solidFill>
+                  <a:srgbClr val="FF0000"/>
+                </a:solidFill>
+              </a:ln>
+              <a:solidFill>
+                <a:srgbClr val="FF0000"/>
+              </a:solidFill>
+            </a:endParaRPr>
+          </a:p>
+        </p:txBody>
+      </p:sp>
+      <p:sp>
+        <p:nvSpPr>
+          <p:cNvPr id="85" name="Oval 84"/>
+          <p:cNvSpPr/>
+          <p:nvPr/>
+        </p:nvSpPr>
+        <p:spPr>
+          <a:xfrm>
+            <a:off x="5944873" y="2112169"/>
+            <a:ext cx="91440" cy="91440"/>
+          </a:xfrm>
+          <a:prstGeom prst="ellipse">
+            <a:avLst/>
+          </a:prstGeom>
+          <a:solidFill>
+            <a:srgbClr val="FF0000"/>
+          </a:solidFill>
+          <a:ln w="9525">
+            <a:solidFill>
+              <a:srgbClr val="0070C0"/>
+            </a:solidFill>
+          </a:ln>
+        </p:spPr>
+        <p:style>
+          <a:lnRef idx="2">
+            <a:schemeClr val="accent1">
+              <a:shade val="50000"/>
+            </a:schemeClr>
+          </a:lnRef>
+          <a:fillRef idx="1">
+            <a:schemeClr val="accent1"/>
+          </a:fillRef>
+          <a:effectRef idx="0">
+            <a:schemeClr val="accent1"/>
+          </a:effectRef>
+          <a:fontRef idx="minor">
+            <a:schemeClr val="lt1"/>
+          </a:fontRef>
+        </p:style>
+        <p:txBody>
+          <a:bodyPr rtlCol="0" anchor="ctr"/>
+          <a:lstStyle/>
+          <a:p>
+            <a:pPr algn="ctr"/>
+            <a:endParaRPr lang="en-US">
+              <a:ln>
+                <a:solidFill>
+                  <a:srgbClr val="FF0000"/>
+                </a:solidFill>
+              </a:ln>
+              <a:solidFill>
+                <a:srgbClr val="FF0000"/>
+              </a:solidFill>
+            </a:endParaRPr>
+          </a:p>
+        </p:txBody>
+      </p:sp>
+      <p:sp>
+        <p:nvSpPr>
+          <p:cNvPr id="86" name="Oval 85"/>
+          <p:cNvSpPr/>
+          <p:nvPr/>
+        </p:nvSpPr>
+        <p:spPr>
+          <a:xfrm>
+            <a:off x="5601973" y="2693194"/>
+            <a:ext cx="91440" cy="91440"/>
+          </a:xfrm>
+          <a:prstGeom prst="ellipse">
+            <a:avLst/>
+          </a:prstGeom>
+          <a:solidFill>
+            <a:srgbClr val="FF0000"/>
+          </a:solidFill>
+          <a:ln w="9525">
+            <a:solidFill>
+              <a:srgbClr val="0070C0"/>
+            </a:solidFill>
+          </a:ln>
+        </p:spPr>
+        <p:style>
+          <a:lnRef idx="2">
+            <a:schemeClr val="accent1">
+              <a:shade val="50000"/>
+            </a:schemeClr>
+          </a:lnRef>
+          <a:fillRef idx="1">
+            <a:schemeClr val="accent1"/>
+          </a:fillRef>
+          <a:effectRef idx="0">
+            <a:schemeClr val="accent1"/>
+          </a:effectRef>
+          <a:fontRef idx="minor">
+            <a:schemeClr val="lt1"/>
+          </a:fontRef>
+        </p:style>
+        <p:txBody>
+          <a:bodyPr rtlCol="0" anchor="ctr"/>
+          <a:lstStyle/>
+          <a:p>
+            <a:pPr algn="ctr"/>
+            <a:endParaRPr lang="en-US">
+              <a:ln>
+                <a:solidFill>
+                  <a:srgbClr val="FF0000"/>
+                </a:solidFill>
+              </a:ln>
+              <a:solidFill>
+                <a:srgbClr val="FF0000"/>
+              </a:solidFill>
+            </a:endParaRPr>
+          </a:p>
+        </p:txBody>
+      </p:sp>
+      <p:sp>
+        <p:nvSpPr>
+          <p:cNvPr id="2" name="TextBox 1"/>
+          <p:cNvSpPr txBox="1"/>
+          <p:nvPr/>
+        </p:nvSpPr>
+        <p:spPr>
+          <a:xfrm>
+            <a:off x="5085397" y="2780599"/>
+            <a:ext cx="304892" cy="369332"/>
+          </a:xfrm>
+          <a:prstGeom prst="rect">
+            <a:avLst/>
+          </a:prstGeom>
+          <a:noFill/>
+        </p:spPr>
+        <p:txBody>
+          <a:bodyPr wrap="none" rtlCol="0">
+            <a:spAutoFit/>
+          </a:bodyPr>
+          <a:lstStyle/>
+          <a:p>
+            <a:r>
+              <a:rPr lang="en-US" dirty="0" smtClean="0"/>
+              <a:t>K</a:t>
+            </a:r>
+            <a:endParaRPr lang="en-US" dirty="0"/>
+          </a:p>
+        </p:txBody>
+      </p:sp>
+      <p:sp>
+        <p:nvSpPr>
+          <p:cNvPr id="88" name="TextBox 87"/>
+          <p:cNvSpPr txBox="1"/>
+          <p:nvPr/>
+        </p:nvSpPr>
+        <p:spPr>
+          <a:xfrm>
+            <a:off x="5708243" y="2180715"/>
+            <a:ext cx="383438" cy="369332"/>
+          </a:xfrm>
+          <a:prstGeom prst="rect">
+            <a:avLst/>
+          </a:prstGeom>
+          <a:noFill/>
+        </p:spPr>
+        <p:txBody>
+          <a:bodyPr wrap="none" rtlCol="0">
+            <a:spAutoFit/>
+          </a:bodyPr>
+          <a:lstStyle/>
+          <a:p>
+            <a:r>
+              <a:rPr lang="en-US" dirty="0" smtClean="0"/>
+              <a:t>K</a:t>
+            </a:r>
+            <a:r>
+              <a:rPr lang="en-US" baseline="-25000" dirty="0" smtClean="0"/>
+              <a:t>1</a:t>
+            </a:r>
+            <a:endParaRPr lang="en-US" baseline="-25000" dirty="0"/>
+          </a:p>
+        </p:txBody>
+      </p:sp>
+      <p:sp>
+        <p:nvSpPr>
+          <p:cNvPr id="89" name="TextBox 88"/>
+          <p:cNvSpPr txBox="1"/>
+          <p:nvPr/>
+        </p:nvSpPr>
+        <p:spPr>
+          <a:xfrm>
+            <a:off x="6031706" y="2696978"/>
+            <a:ext cx="383438" cy="369332"/>
+          </a:xfrm>
+          <a:prstGeom prst="rect">
+            <a:avLst/>
+          </a:prstGeom>
+          <a:noFill/>
+        </p:spPr>
+        <p:txBody>
+          <a:bodyPr wrap="none" rtlCol="0">
+            <a:spAutoFit/>
+          </a:bodyPr>
+          <a:lstStyle/>
+          <a:p>
+            <a:r>
+              <a:rPr lang="en-US" dirty="0" smtClean="0"/>
+              <a:t>K</a:t>
+            </a:r>
+            <a:r>
+              <a:rPr lang="en-US" baseline="-25000" dirty="0" smtClean="0"/>
+              <a:t>2</a:t>
+            </a:r>
+            <a:endParaRPr lang="en-US" baseline="-25000" dirty="0"/>
+          </a:p>
+        </p:txBody>
+      </p:sp>
+      <p:sp>
+        <p:nvSpPr>
+          <p:cNvPr id="90" name="TextBox 89"/>
+          <p:cNvSpPr txBox="1"/>
+          <p:nvPr/>
+        </p:nvSpPr>
+        <p:spPr>
+          <a:xfrm>
+            <a:off x="5143554" y="1765828"/>
+            <a:ext cx="317716" cy="369332"/>
+          </a:xfrm>
+          <a:prstGeom prst="rect">
+            <a:avLst/>
+          </a:prstGeom>
+          <a:noFill/>
+        </p:spPr>
+        <p:txBody>
+          <a:bodyPr wrap="none" rtlCol="0">
+            <a:spAutoFit/>
+          </a:bodyPr>
+          <a:lstStyle/>
+          <a:p>
+            <a:r>
+              <a:rPr lang="en-US" dirty="0" smtClean="0"/>
+              <a:t>A</a:t>
+            </a:r>
+            <a:endParaRPr lang="en-US" dirty="0"/>
+          </a:p>
+        </p:txBody>
+      </p:sp>
+      <p:sp>
+        <p:nvSpPr>
+          <p:cNvPr id="91" name="TextBox 90"/>
+          <p:cNvSpPr txBox="1"/>
+          <p:nvPr/>
+        </p:nvSpPr>
+        <p:spPr>
+          <a:xfrm>
+            <a:off x="6006465" y="3287212"/>
+            <a:ext cx="309700" cy="369332"/>
+          </a:xfrm>
+          <a:prstGeom prst="rect">
+            <a:avLst/>
+          </a:prstGeom>
+          <a:noFill/>
+        </p:spPr>
+        <p:txBody>
+          <a:bodyPr wrap="none" rtlCol="0">
+            <a:spAutoFit/>
+          </a:bodyPr>
+          <a:lstStyle/>
+          <a:p>
+            <a:r>
+              <a:rPr lang="en-US" dirty="0" smtClean="0"/>
+              <a:t>B</a:t>
+            </a:r>
+            <a:endParaRPr lang="en-US" dirty="0"/>
+          </a:p>
+        </p:txBody>
+      </p:sp>
+      <p:sp>
+        <p:nvSpPr>
+          <p:cNvPr id="92" name="TextBox 91"/>
+          <p:cNvSpPr txBox="1"/>
+          <p:nvPr/>
+        </p:nvSpPr>
+        <p:spPr>
+          <a:xfrm>
+            <a:off x="5387445" y="2438651"/>
+            <a:ext cx="308098" cy="369332"/>
+          </a:xfrm>
+          <a:prstGeom prst="rect">
+            <a:avLst/>
+          </a:prstGeom>
+          <a:noFill/>
+        </p:spPr>
+        <p:txBody>
+          <a:bodyPr wrap="none" rtlCol="0">
+            <a:spAutoFit/>
+          </a:bodyPr>
+          <a:lstStyle/>
+          <a:p>
+            <a:r>
+              <a:rPr lang="en-US" dirty="0" smtClean="0"/>
+              <a:t>C</a:t>
+            </a:r>
+            <a:endParaRPr lang="en-US" dirty="0"/>
+          </a:p>
+        </p:txBody>
+      </p:sp>
+      <p:sp>
+        <p:nvSpPr>
+          <p:cNvPr id="94" name="TextBox 93"/>
+          <p:cNvSpPr txBox="1"/>
+          <p:nvPr/>
+        </p:nvSpPr>
+        <p:spPr>
+          <a:xfrm>
+            <a:off x="1951589" y="1766884"/>
+            <a:ext cx="317716" cy="369332"/>
+          </a:xfrm>
+          <a:prstGeom prst="rect">
+            <a:avLst/>
+          </a:prstGeom>
+          <a:noFill/>
+        </p:spPr>
+        <p:txBody>
+          <a:bodyPr wrap="none" rtlCol="0">
+            <a:spAutoFit/>
+          </a:bodyPr>
+          <a:lstStyle/>
+          <a:p>
+            <a:r>
+              <a:rPr lang="en-US" dirty="0" smtClean="0"/>
+              <a:t>A</a:t>
+            </a:r>
+            <a:endParaRPr lang="en-US" dirty="0"/>
+          </a:p>
+        </p:txBody>
+      </p:sp>
+      <p:sp>
+        <p:nvSpPr>
+          <p:cNvPr id="95" name="TextBox 94"/>
+          <p:cNvSpPr txBox="1"/>
+          <p:nvPr/>
+        </p:nvSpPr>
+        <p:spPr>
+          <a:xfrm>
+            <a:off x="2814500" y="3288268"/>
+            <a:ext cx="309700" cy="369332"/>
+          </a:xfrm>
+          <a:prstGeom prst="rect">
+            <a:avLst/>
+          </a:prstGeom>
+          <a:noFill/>
+        </p:spPr>
+        <p:txBody>
+          <a:bodyPr wrap="none" rtlCol="0">
+            <a:spAutoFit/>
+          </a:bodyPr>
+          <a:lstStyle/>
+          <a:p>
+            <a:r>
+              <a:rPr lang="en-US" dirty="0" smtClean="0"/>
+              <a:t>B</a:t>
+            </a:r>
+            <a:endParaRPr lang="en-US" dirty="0"/>
+          </a:p>
+        </p:txBody>
+      </p:sp>
+    </p:spTree>
+    <p:extLst>
+      <p:ext uri="{BB962C8B-B14F-4D97-AF65-F5344CB8AC3E}">
+        <p14:creationId xmlns:p14="http://schemas.microsoft.com/office/powerpoint/2010/main" val="750936976"/>
+      </p:ext>
+    </p:extLst>
+  </p:cSld>
+  <p:clrMapOvr>
+    <a:masterClrMapping/>
+  </p:clrMapOvr>
+</p:sld>
+</file>
+
+<file path=ppt/slides/slide4.xml><?xml version="1.0" encoding="utf-8"?>
+<p:sld xmlns:a="http://schemas.openxmlformats.org/drawingml/2006/main" xmlns:r="http://schemas.openxmlformats.org/officeDocument/2006/relationships" xmlns:p="http://schemas.openxmlformats.org/presentationml/2006/main">
+  <p:cSld>
+    <p:spTree>
+      <p:nvGrpSpPr>
+        <p:cNvPr id="1" name=""/>
+        <p:cNvGrpSpPr/>
+        <p:nvPr/>
+      </p:nvGrpSpPr>
+      <p:grpSpPr>
+        <a:xfrm>
+          <a:off x="0" y="0"/>
+          <a:ext cx="0" cy="0"/>
+          <a:chOff x="0" y="0"/>
+          <a:chExt cx="0" cy="0"/>
+        </a:xfrm>
+      </p:grpSpPr>
       <p:grpSp>
         <p:nvGrpSpPr>
           <p:cNvPr id="3" name="Group 2"/>

--- a/paper/amr_schematics.pptx
+++ b/paper/amr_schematics.pptx
@@ -292,7 +292,7 @@
             <a:fld id="{1D8BD707-D9CF-40AE-B4C6-C98DA3205C09}" type="datetimeFigureOut">
               <a:rPr lang="en-US" smtClean="0"/>
               <a:pPr/>
-              <a:t>7/31/2013</a:t>
+              <a:t>8/9/2013</a:t>
             </a:fld>
             <a:endParaRPr lang="en-US"/>
           </a:p>
@@ -459,7 +459,7 @@
             <a:fld id="{1D8BD707-D9CF-40AE-B4C6-C98DA3205C09}" type="datetimeFigureOut">
               <a:rPr lang="en-US" smtClean="0"/>
               <a:pPr/>
-              <a:t>7/31/2013</a:t>
+              <a:t>8/9/2013</a:t>
             </a:fld>
             <a:endParaRPr lang="en-US"/>
           </a:p>
@@ -636,7 +636,7 @@
             <a:fld id="{1D8BD707-D9CF-40AE-B4C6-C98DA3205C09}" type="datetimeFigureOut">
               <a:rPr lang="en-US" smtClean="0"/>
               <a:pPr/>
-              <a:t>7/31/2013</a:t>
+              <a:t>8/9/2013</a:t>
             </a:fld>
             <a:endParaRPr lang="en-US"/>
           </a:p>
@@ -803,7 +803,7 @@
             <a:fld id="{1D8BD707-D9CF-40AE-B4C6-C98DA3205C09}" type="datetimeFigureOut">
               <a:rPr lang="en-US" smtClean="0"/>
               <a:pPr/>
-              <a:t>7/31/2013</a:t>
+              <a:t>8/9/2013</a:t>
             </a:fld>
             <a:endParaRPr lang="en-US"/>
           </a:p>
@@ -1046,7 +1046,7 @@
             <a:fld id="{1D8BD707-D9CF-40AE-B4C6-C98DA3205C09}" type="datetimeFigureOut">
               <a:rPr lang="en-US" smtClean="0"/>
               <a:pPr/>
-              <a:t>7/31/2013</a:t>
+              <a:t>8/9/2013</a:t>
             </a:fld>
             <a:endParaRPr lang="en-US"/>
           </a:p>
@@ -1331,7 +1331,7 @@
             <a:fld id="{1D8BD707-D9CF-40AE-B4C6-C98DA3205C09}" type="datetimeFigureOut">
               <a:rPr lang="en-US" smtClean="0"/>
               <a:pPr/>
-              <a:t>7/31/2013</a:t>
+              <a:t>8/9/2013</a:t>
             </a:fld>
             <a:endParaRPr lang="en-US"/>
           </a:p>
@@ -1750,7 +1750,7 @@
             <a:fld id="{1D8BD707-D9CF-40AE-B4C6-C98DA3205C09}" type="datetimeFigureOut">
               <a:rPr lang="en-US" smtClean="0"/>
               <a:pPr/>
-              <a:t>7/31/2013</a:t>
+              <a:t>8/9/2013</a:t>
             </a:fld>
             <a:endParaRPr lang="en-US"/>
           </a:p>
@@ -1865,7 +1865,7 @@
             <a:fld id="{1D8BD707-D9CF-40AE-B4C6-C98DA3205C09}" type="datetimeFigureOut">
               <a:rPr lang="en-US" smtClean="0"/>
               <a:pPr/>
-              <a:t>7/31/2013</a:t>
+              <a:t>8/9/2013</a:t>
             </a:fld>
             <a:endParaRPr lang="en-US"/>
           </a:p>
@@ -1957,7 +1957,7 @@
             <a:fld id="{1D8BD707-D9CF-40AE-B4C6-C98DA3205C09}" type="datetimeFigureOut">
               <a:rPr lang="en-US" smtClean="0"/>
               <a:pPr/>
-              <a:t>7/31/2013</a:t>
+              <a:t>8/9/2013</a:t>
             </a:fld>
             <a:endParaRPr lang="en-US"/>
           </a:p>
@@ -2231,7 +2231,7 @@
             <a:fld id="{1D8BD707-D9CF-40AE-B4C6-C98DA3205C09}" type="datetimeFigureOut">
               <a:rPr lang="en-US" smtClean="0"/>
               <a:pPr/>
-              <a:t>7/31/2013</a:t>
+              <a:t>8/9/2013</a:t>
             </a:fld>
             <a:endParaRPr lang="en-US"/>
           </a:p>
@@ -2481,7 +2481,7 @@
             <a:fld id="{1D8BD707-D9CF-40AE-B4C6-C98DA3205C09}" type="datetimeFigureOut">
               <a:rPr lang="en-US" smtClean="0"/>
               <a:pPr/>
-              <a:t>7/31/2013</a:t>
+              <a:t>8/9/2013</a:t>
             </a:fld>
             <a:endParaRPr lang="en-US"/>
           </a:p>
@@ -2691,7 +2691,7 @@
             <a:fld id="{1D8BD707-D9CF-40AE-B4C6-C98DA3205C09}" type="datetimeFigureOut">
               <a:rPr lang="en-US" smtClean="0"/>
               <a:pPr/>
-              <a:t>7/31/2013</a:t>
+              <a:t>8/9/2013</a:t>
             </a:fld>
             <a:endParaRPr lang="en-US"/>
           </a:p>
@@ -8932,6 +8932,158 @@
           </a:p>
         </p:txBody>
       </p:sp>
+      <p:sp>
+        <p:nvSpPr>
+          <p:cNvPr id="3" name="Rectangle 2"/>
+          <p:cNvSpPr/>
+          <p:nvPr/>
+        </p:nvSpPr>
+        <p:spPr>
+          <a:xfrm>
+            <a:off x="1219200" y="1676400"/>
+            <a:ext cx="2895600" cy="2209800"/>
+          </a:xfrm>
+          <a:prstGeom prst="rect">
+            <a:avLst/>
+          </a:prstGeom>
+          <a:noFill/>
+          <a:ln>
+            <a:solidFill>
+              <a:srgbClr val="FFFF00"/>
+            </a:solidFill>
+          </a:ln>
+        </p:spPr>
+        <p:style>
+          <a:lnRef idx="2">
+            <a:schemeClr val="accent1">
+              <a:shade val="50000"/>
+            </a:schemeClr>
+          </a:lnRef>
+          <a:fillRef idx="1">
+            <a:schemeClr val="accent1"/>
+          </a:fillRef>
+          <a:effectRef idx="0">
+            <a:schemeClr val="accent1"/>
+          </a:effectRef>
+          <a:fontRef idx="minor">
+            <a:schemeClr val="lt1"/>
+          </a:fontRef>
+        </p:style>
+        <p:txBody>
+          <a:bodyPr rtlCol="0" anchor="ctr"/>
+          <a:lstStyle/>
+          <a:p>
+            <a:pPr algn="ctr"/>
+            <a:endParaRPr lang="en-US"/>
+          </a:p>
+        </p:txBody>
+      </p:sp>
+      <p:sp>
+        <p:nvSpPr>
+          <p:cNvPr id="49" name="Rectangle 48"/>
+          <p:cNvSpPr/>
+          <p:nvPr/>
+        </p:nvSpPr>
+        <p:spPr>
+          <a:xfrm>
+            <a:off x="4368800" y="1676400"/>
+            <a:ext cx="2895600" cy="2209800"/>
+          </a:xfrm>
+          <a:prstGeom prst="rect">
+            <a:avLst/>
+          </a:prstGeom>
+          <a:noFill/>
+          <a:ln>
+            <a:solidFill>
+              <a:srgbClr val="FFFF00"/>
+            </a:solidFill>
+          </a:ln>
+        </p:spPr>
+        <p:style>
+          <a:lnRef idx="2">
+            <a:schemeClr val="accent1">
+              <a:shade val="50000"/>
+            </a:schemeClr>
+          </a:lnRef>
+          <a:fillRef idx="1">
+            <a:schemeClr val="accent1"/>
+          </a:fillRef>
+          <a:effectRef idx="0">
+            <a:schemeClr val="accent1"/>
+          </a:effectRef>
+          <a:fontRef idx="minor">
+            <a:schemeClr val="lt1"/>
+          </a:fontRef>
+        </p:style>
+        <p:txBody>
+          <a:bodyPr rtlCol="0" anchor="ctr"/>
+          <a:lstStyle/>
+          <a:p>
+            <a:pPr algn="ctr"/>
+            <a:endParaRPr lang="en-US"/>
+          </a:p>
+        </p:txBody>
+      </p:sp>
+      <p:sp>
+        <p:nvSpPr>
+          <p:cNvPr id="50" name="TextBox 49"/>
+          <p:cNvSpPr txBox="1"/>
+          <p:nvPr/>
+        </p:nvSpPr>
+        <p:spPr>
+          <a:xfrm>
+            <a:off x="1981378" y="2665653"/>
+            <a:ext cx="304892" cy="369332"/>
+          </a:xfrm>
+          <a:prstGeom prst="rect">
+            <a:avLst/>
+          </a:prstGeom>
+          <a:noFill/>
+        </p:spPr>
+        <p:txBody>
+          <a:bodyPr wrap="none" rtlCol="0">
+            <a:spAutoFit/>
+          </a:bodyPr>
+          <a:lstStyle/>
+          <a:p>
+            <a:r>
+              <a:rPr lang="en-US" dirty="0" smtClean="0"/>
+              <a:t>K</a:t>
+            </a:r>
+            <a:endParaRPr lang="en-US" dirty="0"/>
+          </a:p>
+        </p:txBody>
+      </p:sp>
+      <p:sp>
+        <p:nvSpPr>
+          <p:cNvPr id="51" name="TextBox 50"/>
+          <p:cNvSpPr txBox="1"/>
+          <p:nvPr/>
+        </p:nvSpPr>
+        <p:spPr>
+          <a:xfrm>
+            <a:off x="2898934" y="2354699"/>
+            <a:ext cx="362600" cy="369332"/>
+          </a:xfrm>
+          <a:prstGeom prst="rect">
+            <a:avLst/>
+          </a:prstGeom>
+          <a:noFill/>
+        </p:spPr>
+        <p:txBody>
+          <a:bodyPr wrap="none" rtlCol="0">
+            <a:spAutoFit/>
+          </a:bodyPr>
+          <a:lstStyle/>
+          <a:p>
+            <a:r>
+              <a:rPr lang="en-US" dirty="0" smtClean="0"/>
+              <a:t>K’</a:t>
+            </a:r>
+            <a:endParaRPr lang="en-US" dirty="0"/>
+          </a:p>
+        </p:txBody>
+      </p:sp>
     </p:spTree>
     <p:extLst>
       <p:ext uri="{BB962C8B-B14F-4D97-AF65-F5344CB8AC3E}">
